--- a/PPT/한끼줍쇼v3.pptx
+++ b/PPT/한끼줍쇼v3.pptx
@@ -23,9 +23,9 @@
     <p:sldId id="272" r:id="rId14"/>
     <p:sldId id="274" r:id="rId15"/>
     <p:sldId id="290" r:id="rId16"/>
-    <p:sldId id="292" r:id="rId17"/>
-    <p:sldId id="295" r:id="rId18"/>
-    <p:sldId id="293" r:id="rId19"/>
+    <p:sldId id="295" r:id="rId17"/>
+    <p:sldId id="292" r:id="rId18"/>
+    <p:sldId id="296" r:id="rId19"/>
     <p:sldId id="277" r:id="rId20"/>
     <p:sldId id="279" r:id="rId21"/>
     <p:sldId id="278" r:id="rId22"/>
@@ -1537,7 +1537,7 @@
     </p:spTree>
     <p:extLst>
       <p:ext uri="{BB962C8B-B14F-4D97-AF65-F5344CB8AC3E}">
-        <p14:creationId xmlns:p14="http://schemas.microsoft.com/office/powerpoint/2010/main" val="3236716839"/>
+        <p14:creationId xmlns:p14="http://schemas.microsoft.com/office/powerpoint/2010/main" val="1026906050"/>
       </p:ext>
     </p:extLst>
   </p:cSld>
@@ -1593,43 +1593,25 @@
           <a:p>
             <a:r>
               <a:rPr lang="ko-KR" altLang="en-US"/>
-              <a:t>뒷부분까지 보시면 </a:t>
+              <a:t>스킬셋이라는 클래스 안에 직업벼로 스킬 리스트 넣음</a:t>
             </a:r>
             <a:r>
               <a:rPr lang="en-US" altLang="ko-KR"/>
-              <a:t>isDead </a:t>
-            </a:r>
-            <a:r>
-              <a:rPr lang="ko-KR" altLang="en-US"/>
-              <a:t>죽음 여부를 체크를 해서 </a:t>
+              <a:t>}</a:t>
             </a:r>
             <a:br>
               <a:rPr lang="en-US" altLang="ko-KR"/>
             </a:br>
             <a:r>
               <a:rPr lang="ko-KR" altLang="en-US"/>
-              <a:t>만약에 한쪽이 전멸을 했다</a:t>
-            </a:r>
-            <a:r>
+              <a:t>내 직업별에 맞는 스킬 리스트를 불러와서 던전에 사용할  스킬 리스트에서 넣어준다 </a:t>
+            </a:r>
+            <a:br>
               <a:rPr lang="en-US" altLang="ko-KR"/>
-              <a:t>, </a:t>
-            </a:r>
-            <a:r>
-              <a:rPr lang="ko-KR" altLang="en-US"/>
-              <a:t>하면 다른 </a:t>
-            </a:r>
-            <a:r>
+            </a:br>
+            <a:br>
               <a:rPr lang="en-US" altLang="ko-KR"/>
-              <a:t>UI</a:t>
-            </a:r>
-            <a:r>
-              <a:rPr lang="ko-KR" altLang="en-US"/>
-              <a:t>로 넘어가도록 작업을 했습니다</a:t>
-            </a:r>
-            <a:r>
-              <a:rPr lang="en-US" altLang="ko-KR"/>
-              <a:t>. </a:t>
-            </a:r>
+            </a:br>
             <a:endParaRPr lang="ko-KR" altLang="en-US"/>
           </a:p>
         </p:txBody>
@@ -1720,7 +1702,7 @@
     </p:spTree>
     <p:extLst>
       <p:ext uri="{BB962C8B-B14F-4D97-AF65-F5344CB8AC3E}">
-        <p14:creationId xmlns:p14="http://schemas.microsoft.com/office/powerpoint/2010/main" val="1026906050"/>
+        <p14:creationId xmlns:p14="http://schemas.microsoft.com/office/powerpoint/2010/main" val="3236716839"/>
       </p:ext>
     </p:extLst>
   </p:cSld>
@@ -1776,22 +1758,18 @@
           <a:p>
             <a:r>
               <a:rPr lang="ko-KR" altLang="en-US"/>
-              <a:t>뒷부분까지 보시면 </a:t>
+              <a:t>던전에 입장하면 사용할 변수들이 초기화되고 몬스터와 스킬이 생성되는데요</a:t>
             </a:r>
             <a:r>
               <a:rPr lang="en-US" altLang="ko-KR"/>
-              <a:t>isDead </a:t>
-            </a:r>
-            <a:r>
-              <a:rPr lang="ko-KR" altLang="en-US"/>
-              <a:t>죽음 여부를 체크를 해서 </a:t>
+              <a:t>. </a:t>
             </a:r>
             <a:br>
               <a:rPr lang="en-US" altLang="ko-KR"/>
             </a:br>
             <a:r>
               <a:rPr lang="ko-KR" altLang="en-US"/>
-              <a:t>만약에 한쪽이 전멸을 했다</a:t>
+              <a:t>스킬은 스킬 파트에서 보고</a:t>
             </a:r>
             <a:r>
               <a:rPr lang="en-US" altLang="ko-KR"/>
@@ -1799,15 +1777,42 @@
             </a:r>
             <a:r>
               <a:rPr lang="ko-KR" altLang="en-US"/>
-              <a:t>하면 다른 </a:t>
+              <a:t>몬스터 생성 로직부터 살펴보겠습니다</a:t>
             </a:r>
             <a:r>
               <a:rPr lang="en-US" altLang="ko-KR"/>
-              <a:t>UI</a:t>
-            </a:r>
+              <a:t>.</a:t>
+            </a:r>
+            <a:br>
+              <a:rPr lang="en-US" altLang="ko-KR"/>
+            </a:br>
             <a:r>
               <a:rPr lang="ko-KR" altLang="en-US"/>
-              <a:t>로 넘어가도록 작업을 했습니다</a:t>
+              <a:t>보시면 몬스터</a:t>
+            </a:r>
+            <a:r>
+              <a:rPr lang="en-US" altLang="ko-KR"/>
+              <a:t>Q(</a:t>
+            </a:r>
+            <a:r>
+              <a:rPr lang="ko-KR" altLang="en-US"/>
+              <a:t>몬스터 대기열</a:t>
+            </a:r>
+            <a:r>
+              <a:rPr lang="en-US" altLang="ko-KR"/>
+              <a:t>)</a:t>
+            </a:r>
+            <a:r>
+              <a:rPr lang="ko-KR" altLang="en-US"/>
+              <a:t>에 </a:t>
+            </a:r>
+            <a:r>
+              <a:rPr lang="en-US" altLang="ko-KR"/>
+              <a:t>makeMonster </a:t>
+            </a:r>
+            <a:r>
+              <a:rPr lang="ko-KR" altLang="en-US"/>
+              <a:t>함수가 할당되고 있는데요</a:t>
             </a:r>
             <a:r>
               <a:rPr lang="en-US" altLang="ko-KR"/>
@@ -1903,7 +1908,7 @@
     </p:spTree>
     <p:extLst>
       <p:ext uri="{BB962C8B-B14F-4D97-AF65-F5344CB8AC3E}">
-        <p14:creationId xmlns:p14="http://schemas.microsoft.com/office/powerpoint/2010/main" val="1476966534"/>
+        <p14:creationId xmlns:p14="http://schemas.microsoft.com/office/powerpoint/2010/main" val="1288889502"/>
       </p:ext>
     </p:extLst>
   </p:cSld>
@@ -9586,7 +9591,7 @@
         <p:spPr>
           <a:xfrm>
             <a:off x="1185529" y="3133096"/>
-            <a:ext cx="2348720" cy="707886"/>
+            <a:ext cx="2098651" cy="1015663"/>
           </a:xfrm>
           <a:prstGeom prst="rect">
             <a:avLst/>
@@ -9667,6 +9672,72 @@
               </a:rPr>
               <a:t>에서</a:t>
             </a:r>
+            <a:br>
+              <a:rPr kumimoji="0" lang="en-US" altLang="ko-KR" sz="2000" b="0" i="0" u="none" strike="noStrike" kern="1200" cap="none" spc="-150" normalizeH="0" baseline="0" noProof="0">
+                <a:ln>
+                  <a:noFill/>
+                </a:ln>
+                <a:solidFill>
+                  <a:prstClr val="white"/>
+                </a:solidFill>
+                <a:effectLst/>
+                <a:uLnTx/>
+                <a:uFillTx/>
+                <a:latin typeface="AppleSDGothicNeoB00" panose="02000503000000000000" pitchFamily="2" charset="-127"/>
+                <a:ea typeface="AppleSDGothicNeoB00"/>
+                <a:cs typeface="Pretendard Black" panose="02000A03000000020004" pitchFamily="50" charset="-127"/>
+              </a:rPr>
+            </a:br>
+            <a:r>
+              <a:rPr kumimoji="0" lang="ko-KR" altLang="en-US" sz="2000" b="0" i="0" u="none" strike="noStrike" kern="1200" cap="none" spc="-150" normalizeH="0" baseline="0" noProof="0">
+                <a:ln>
+                  <a:noFill/>
+                </a:ln>
+                <a:solidFill>
+                  <a:prstClr val="white"/>
+                </a:solidFill>
+                <a:effectLst/>
+                <a:uLnTx/>
+                <a:uFillTx/>
+                <a:latin typeface="AppleSDGothicNeoB00" panose="02000503000000000000" pitchFamily="2" charset="-127"/>
+                <a:ea typeface="AppleSDGothicNeoB00"/>
+                <a:cs typeface="Pretendard Black" panose="02000A03000000020004" pitchFamily="50" charset="-127"/>
+              </a:rPr>
+              <a:t>스킬 세부사항을 넣을</a:t>
+            </a:r>
+            <a:br>
+              <a:rPr kumimoji="0" lang="en-US" altLang="ko-KR" sz="2000" b="0" i="0" u="none" strike="noStrike" kern="1200" cap="none" spc="-150" normalizeH="0" baseline="0" noProof="0">
+                <a:ln>
+                  <a:noFill/>
+                </a:ln>
+                <a:solidFill>
+                  <a:prstClr val="white"/>
+                </a:solidFill>
+                <a:effectLst/>
+                <a:uLnTx/>
+                <a:uFillTx/>
+                <a:latin typeface="AppleSDGothicNeoB00" panose="02000503000000000000" pitchFamily="2" charset="-127"/>
+                <a:ea typeface="AppleSDGothicNeoB00"/>
+                <a:cs typeface="Pretendard Black" panose="02000A03000000020004" pitchFamily="50" charset="-127"/>
+              </a:rPr>
+            </a:br>
+            <a:r>
+              <a:rPr kumimoji="0" lang="ko-KR" altLang="en-US" sz="2000" b="0" i="0" u="none" strike="noStrike" kern="1200" cap="none" spc="-150" normalizeH="0" baseline="0" noProof="0">
+                <a:ln>
+                  <a:noFill/>
+                </a:ln>
+                <a:solidFill>
+                  <a:prstClr val="white"/>
+                </a:solidFill>
+                <a:effectLst/>
+                <a:uLnTx/>
+                <a:uFillTx/>
+                <a:latin typeface="AppleSDGothicNeoB00" panose="02000503000000000000" pitchFamily="2" charset="-127"/>
+                <a:ea typeface="AppleSDGothicNeoB00"/>
+                <a:cs typeface="Pretendard Black" panose="02000A03000000020004" pitchFamily="50" charset="-127"/>
+              </a:rPr>
+              <a:t>틀을 만들어요</a:t>
+            </a:r>
             <a:endParaRPr kumimoji="0" lang="en-US" altLang="ko-KR" sz="2000" b="0" i="0" u="none" strike="noStrike" kern="1200" cap="none" spc="-150" normalizeH="0" baseline="0" noProof="0" dirty="0" err="1">
               <a:ln>
                 <a:noFill/>
@@ -9682,124 +9753,6 @@
               <a:cs typeface="Pretendard Black" panose="02000A03000000020004" pitchFamily="50" charset="-127"/>
             </a:endParaRPr>
           </a:p>
-          <a:p>
-            <a:pPr marL="0" marR="0" lvl="0" indent="0" algn="l" defTabSz="914400" rtl="0" eaLnBrk="1" fontAlgn="auto" latinLnBrk="1" hangingPunct="1">
-              <a:lnSpc>
-                <a:spcPct val="100000"/>
-              </a:lnSpc>
-              <a:spcBef>
-                <a:spcPts val="0"/>
-              </a:spcBef>
-              <a:spcAft>
-                <a:spcPts val="0"/>
-              </a:spcAft>
-              <a:buClrTx/>
-              <a:buSzTx/>
-              <a:buFontTx/>
-              <a:buNone/>
-              <a:tabLst/>
-              <a:defRPr/>
-            </a:pPr>
-            <a:r>
-              <a:rPr kumimoji="0" lang="en-US" altLang="ko-KR" sz="2000" b="0" i="0" u="none" strike="noStrike" kern="1200" cap="none" spc="-150" normalizeH="0" baseline="0" noProof="0" dirty="0" err="1">
-                <a:ln>
-                  <a:noFill/>
-                </a:ln>
-                <a:solidFill>
-                  <a:prstClr val="white"/>
-                </a:solidFill>
-                <a:effectLst/>
-                <a:uLnTx/>
-                <a:uFillTx/>
-                <a:latin typeface="AppleSDGothicNeoB00" panose="02000503000000000000" pitchFamily="2" charset="-127"/>
-                <a:ea typeface="AppleSDGothicNeoB00"/>
-                <a:cs typeface="Pretendard Black" panose="02000A03000000020004" pitchFamily="50" charset="-127"/>
-              </a:rPr>
-              <a:t>광역기</a:t>
-            </a:r>
-            <a:r>
-              <a:rPr kumimoji="0" lang="en-US" altLang="ko-KR" sz="2000" b="0" i="0" u="none" strike="noStrike" kern="1200" cap="none" spc="-150" normalizeH="0" baseline="0" noProof="0" dirty="0">
-                <a:ln>
-                  <a:noFill/>
-                </a:ln>
-                <a:solidFill>
-                  <a:prstClr val="white"/>
-                </a:solidFill>
-                <a:effectLst/>
-                <a:uLnTx/>
-                <a:uFillTx/>
-                <a:latin typeface="AppleSDGothicNeoB00" panose="02000503000000000000" pitchFamily="2" charset="-127"/>
-                <a:ea typeface="AppleSDGothicNeoB00"/>
-                <a:cs typeface="Pretendard Black" panose="02000A03000000020004" pitchFamily="50" charset="-127"/>
-              </a:rPr>
-              <a:t> </a:t>
-            </a:r>
-            <a:r>
-              <a:rPr kumimoji="0" lang="en-US" altLang="ko-KR" sz="2000" b="0" i="0" u="none" strike="noStrike" kern="1200" cap="none" spc="-150" normalizeH="0" baseline="0" noProof="0" err="1">
-                <a:ln>
-                  <a:noFill/>
-                </a:ln>
-                <a:solidFill>
-                  <a:prstClr val="white"/>
-                </a:solidFill>
-                <a:effectLst/>
-                <a:uLnTx/>
-                <a:uFillTx/>
-                <a:latin typeface="AppleSDGothicNeoB00" panose="02000503000000000000" pitchFamily="2" charset="-127"/>
-                <a:ea typeface="AppleSDGothicNeoB00"/>
-                <a:cs typeface="Pretendard Black" panose="02000A03000000020004" pitchFamily="50" charset="-127"/>
-              </a:rPr>
-              <a:t>여부를</a:t>
-            </a:r>
-            <a:r>
-              <a:rPr kumimoji="0" lang="en-US" altLang="ko-KR" sz="2000" b="0" i="0" u="none" strike="noStrike" kern="1200" cap="none" spc="-150" normalizeH="0" baseline="0" noProof="0">
-                <a:ln>
-                  <a:noFill/>
-                </a:ln>
-                <a:solidFill>
-                  <a:prstClr val="white"/>
-                </a:solidFill>
-                <a:effectLst/>
-                <a:uLnTx/>
-                <a:uFillTx/>
-                <a:latin typeface="AppleSDGothicNeoB00" panose="02000503000000000000" pitchFamily="2" charset="-127"/>
-                <a:ea typeface="AppleSDGothicNeoB00"/>
-                <a:cs typeface="Pretendard Black" panose="02000A03000000020004" pitchFamily="50" charset="-127"/>
-              </a:rPr>
-              <a:t> 결정</a:t>
-            </a:r>
-            <a:r>
-              <a:rPr kumimoji="0" lang="ko-KR" altLang="en-US" sz="2000" b="0" i="0" u="none" strike="noStrike" kern="1200" cap="none" spc="-150" normalizeH="0" baseline="0" noProof="0">
-                <a:ln>
-                  <a:noFill/>
-                </a:ln>
-                <a:solidFill>
-                  <a:prstClr val="white"/>
-                </a:solidFill>
-                <a:effectLst/>
-                <a:uLnTx/>
-                <a:uFillTx/>
-                <a:latin typeface="AppleSDGothicNeoB00" panose="02000503000000000000" pitchFamily="2" charset="-127"/>
-                <a:ea typeface="AppleSDGothicNeoB00"/>
-                <a:cs typeface="Pretendard Black" panose="02000A03000000020004" pitchFamily="50" charset="-127"/>
-              </a:rPr>
-              <a:t>해요</a:t>
-            </a:r>
-            <a:endParaRPr kumimoji="0" lang="en-US" altLang="ko-KR" sz="2000" b="0" i="0" u="none" strike="noStrike" kern="1200" cap="none" spc="-150" normalizeH="0" baseline="0" noProof="0" dirty="0" err="1">
-              <a:ln>
-                <a:noFill/>
-              </a:ln>
-              <a:solidFill>
-                <a:prstClr val="white"/>
-              </a:solidFill>
-              <a:effectLst/>
-              <a:uLnTx/>
-              <a:uFillTx/>
-              <a:latin typeface="AppleSDGothicNeoB00" panose="02000503000000000000" pitchFamily="2" charset="-127"/>
-              <a:ea typeface="AppleSDGothicNeoB00"/>
-              <a:cs typeface="Pretendard Black" panose="02000A03000000020004" pitchFamily="50" charset="-127"/>
-            </a:endParaRPr>
-          </a:p>
         </p:txBody>
       </p:sp>
       <p:pic>
@@ -9833,10 +9786,10 @@
       </p:pic>
       <p:sp>
         <p:nvSpPr>
-          <p:cNvPr id="12" name="직사각형 11">
-            <a:extLst>
-              <a:ext uri="{FF2B5EF4-FFF2-40B4-BE49-F238E27FC236}">
-                <a16:creationId xmlns:a16="http://schemas.microsoft.com/office/drawing/2014/main" id="{2113C1E9-E7E9-1130-9D0E-95019716F06D}"/>
+          <p:cNvPr id="13" name="순서도: 연결자 12">
+            <a:extLst>
+              <a:ext uri="{FF2B5EF4-FFF2-40B4-BE49-F238E27FC236}">
+                <a16:creationId xmlns:a16="http://schemas.microsoft.com/office/drawing/2014/main" id="{1B1FB99B-7B36-D372-6170-F118107813B2}"/>
               </a:ext>
             </a:extLst>
           </p:cNvPr>
@@ -9845,17 +9798,17 @@
         </p:nvSpPr>
         <p:spPr>
           <a:xfrm>
-            <a:off x="4671060" y="3748016"/>
-            <a:ext cx="2720340" cy="292612"/>
-          </a:xfrm>
-          <a:prstGeom prst="rect">
+            <a:off x="1153838" y="1556951"/>
+            <a:ext cx="216000" cy="216000"/>
+          </a:xfrm>
+          <a:prstGeom prst="flowChartConnector">
             <a:avLst/>
           </a:prstGeom>
-          <a:noFill/>
+          <a:solidFill>
+            <a:schemeClr val="bg1"/>
+          </a:solidFill>
           <a:ln>
-            <a:solidFill>
-              <a:schemeClr val="bg1"/>
-            </a:solidFill>
+            <a:noFill/>
           </a:ln>
         </p:spPr>
         <p:style>
@@ -9885,10 +9838,10 @@
       </p:sp>
       <p:sp>
         <p:nvSpPr>
-          <p:cNvPr id="13" name="순서도: 연결자 12">
-            <a:extLst>
-              <a:ext uri="{FF2B5EF4-FFF2-40B4-BE49-F238E27FC236}">
-                <a16:creationId xmlns:a16="http://schemas.microsoft.com/office/drawing/2014/main" id="{1B1FB99B-7B36-D372-6170-F118107813B2}"/>
+          <p:cNvPr id="14" name="순서도: 연결자 13">
+            <a:extLst>
+              <a:ext uri="{FF2B5EF4-FFF2-40B4-BE49-F238E27FC236}">
+                <a16:creationId xmlns:a16="http://schemas.microsoft.com/office/drawing/2014/main" id="{F6950B16-4C3D-EBAC-1EF3-229625039ED1}"/>
               </a:ext>
             </a:extLst>
           </p:cNvPr>
@@ -9897,7 +9850,7 @@
         </p:nvSpPr>
         <p:spPr>
           <a:xfrm>
-            <a:off x="1153838" y="1556951"/>
+            <a:off x="1474861" y="1556951"/>
             <a:ext cx="216000" cy="216000"/>
           </a:xfrm>
           <a:prstGeom prst="flowChartConnector">
@@ -9939,10 +9892,10 @@
       </p:sp>
       <p:sp>
         <p:nvSpPr>
-          <p:cNvPr id="14" name="순서도: 연결자 13">
-            <a:extLst>
-              <a:ext uri="{FF2B5EF4-FFF2-40B4-BE49-F238E27FC236}">
-                <a16:creationId xmlns:a16="http://schemas.microsoft.com/office/drawing/2014/main" id="{F6950B16-4C3D-EBAC-1EF3-229625039ED1}"/>
+          <p:cNvPr id="15" name="순서도: 연결자 14">
+            <a:extLst>
+              <a:ext uri="{FF2B5EF4-FFF2-40B4-BE49-F238E27FC236}">
+                <a16:creationId xmlns:a16="http://schemas.microsoft.com/office/drawing/2014/main" id="{7BCB4AD7-76FA-0A85-20E1-18D291017518}"/>
               </a:ext>
             </a:extLst>
           </p:cNvPr>
@@ -9951,7 +9904,7 @@
         </p:nvSpPr>
         <p:spPr>
           <a:xfrm>
-            <a:off x="1474861" y="1556951"/>
+            <a:off x="1795884" y="1556951"/>
             <a:ext cx="216000" cy="216000"/>
           </a:xfrm>
           <a:prstGeom prst="flowChartConnector">
@@ -9961,112 +9914,6 @@
             <a:schemeClr val="bg1">
               <a:alpha val="57000"/>
             </a:schemeClr>
-          </a:solidFill>
-          <a:ln>
-            <a:noFill/>
-          </a:ln>
-        </p:spPr>
-        <p:style>
-          <a:lnRef idx="2">
-            <a:schemeClr val="accent1">
-              <a:shade val="15000"/>
-            </a:schemeClr>
-          </a:lnRef>
-          <a:fillRef idx="1">
-            <a:schemeClr val="accent1"/>
-          </a:fillRef>
-          <a:effectRef idx="0">
-            <a:schemeClr val="accent1"/>
-          </a:effectRef>
-          <a:fontRef idx="minor">
-            <a:schemeClr val="lt1"/>
-          </a:fontRef>
-        </p:style>
-        <p:txBody>
-          <a:bodyPr rtlCol="0" anchor="ctr"/>
-          <a:lstStyle/>
-          <a:p>
-            <a:pPr algn="ctr"/>
-            <a:endParaRPr lang="ko-KR" altLang="en-US"/>
-          </a:p>
-        </p:txBody>
-      </p:sp>
-      <p:sp>
-        <p:nvSpPr>
-          <p:cNvPr id="15" name="순서도: 연결자 14">
-            <a:extLst>
-              <a:ext uri="{FF2B5EF4-FFF2-40B4-BE49-F238E27FC236}">
-                <a16:creationId xmlns:a16="http://schemas.microsoft.com/office/drawing/2014/main" id="{7BCB4AD7-76FA-0A85-20E1-18D291017518}"/>
-              </a:ext>
-            </a:extLst>
-          </p:cNvPr>
-          <p:cNvSpPr/>
-          <p:nvPr/>
-        </p:nvSpPr>
-        <p:spPr>
-          <a:xfrm>
-            <a:off x="1795884" y="1556951"/>
-            <a:ext cx="216000" cy="216000"/>
-          </a:xfrm>
-          <a:prstGeom prst="flowChartConnector">
-            <a:avLst/>
-          </a:prstGeom>
-          <a:solidFill>
-            <a:schemeClr val="bg1">
-              <a:alpha val="57000"/>
-            </a:schemeClr>
-          </a:solidFill>
-          <a:ln>
-            <a:noFill/>
-          </a:ln>
-        </p:spPr>
-        <p:style>
-          <a:lnRef idx="2">
-            <a:schemeClr val="accent1">
-              <a:shade val="15000"/>
-            </a:schemeClr>
-          </a:lnRef>
-          <a:fillRef idx="1">
-            <a:schemeClr val="accent1"/>
-          </a:fillRef>
-          <a:effectRef idx="0">
-            <a:schemeClr val="accent1"/>
-          </a:effectRef>
-          <a:fontRef idx="minor">
-            <a:schemeClr val="lt1"/>
-          </a:fontRef>
-        </p:style>
-        <p:txBody>
-          <a:bodyPr rtlCol="0" anchor="ctr"/>
-          <a:lstStyle/>
-          <a:p>
-            <a:pPr algn="ctr"/>
-            <a:endParaRPr lang="ko-KR" altLang="en-US"/>
-          </a:p>
-        </p:txBody>
-      </p:sp>
-      <p:sp>
-        <p:nvSpPr>
-          <p:cNvPr id="16" name="순서도: 연결자 15">
-            <a:extLst>
-              <a:ext uri="{FF2B5EF4-FFF2-40B4-BE49-F238E27FC236}">
-                <a16:creationId xmlns:a16="http://schemas.microsoft.com/office/drawing/2014/main" id="{0FD10AF6-717A-4FCC-75C9-1AABF9E94BEC}"/>
-              </a:ext>
-            </a:extLst>
-          </p:cNvPr>
-          <p:cNvSpPr/>
-          <p:nvPr/>
-        </p:nvSpPr>
-        <p:spPr>
-          <a:xfrm>
-            <a:off x="2116907" y="1556951"/>
-            <a:ext cx="216000" cy="216000"/>
-          </a:xfrm>
-          <a:prstGeom prst="flowChartConnector">
-            <a:avLst/>
-          </a:prstGeom>
-          <a:solidFill>
-            <a:schemeClr val="bg1"/>
           </a:solidFill>
           <a:ln>
             <a:noFill/>
@@ -10135,42 +9982,12 @@
           <a:chExt cx="0" cy="0"/>
         </a:xfrm>
       </p:grpSpPr>
-      <p:pic>
-        <p:nvPicPr>
-          <p:cNvPr id="2" name="그림 1" descr="텍스트, 스크린샷이(가) 표시된 사진&#10;&#10;자동 생성된 설명">
-            <a:extLst>
-              <a:ext uri="{FF2B5EF4-FFF2-40B4-BE49-F238E27FC236}">
-                <a16:creationId xmlns:a16="http://schemas.microsoft.com/office/drawing/2014/main" id="{772306EF-C56C-25F5-55DE-09806A75A48C}"/>
-              </a:ext>
-            </a:extLst>
-          </p:cNvPr>
-          <p:cNvPicPr>
-            <a:picLocks noChangeAspect="1"/>
-          </p:cNvPicPr>
-          <p:nvPr/>
-        </p:nvPicPr>
-        <p:blipFill>
-          <a:blip r:embed="rId3"/>
-          <a:stretch>
-            <a:fillRect/>
-          </a:stretch>
-        </p:blipFill>
-        <p:spPr>
-          <a:xfrm>
-            <a:off x="4915949" y="2403415"/>
-            <a:ext cx="6276813" cy="3821277"/>
-          </a:xfrm>
-          <a:prstGeom prst="rect">
-            <a:avLst/>
-          </a:prstGeom>
-        </p:spPr>
-      </p:pic>
-      <p:sp>
-        <p:nvSpPr>
-          <p:cNvPr id="11" name="TextBox 10">
-            <a:extLst>
-              <a:ext uri="{FF2B5EF4-FFF2-40B4-BE49-F238E27FC236}">
-                <a16:creationId xmlns:a16="http://schemas.microsoft.com/office/drawing/2014/main" id="{13C96B96-9A65-9172-F786-47F21C61D1BE}"/>
+      <p:sp>
+        <p:nvSpPr>
+          <p:cNvPr id="7" name="TextBox 6">
+            <a:extLst>
+              <a:ext uri="{FF2B5EF4-FFF2-40B4-BE49-F238E27FC236}">
+                <a16:creationId xmlns:a16="http://schemas.microsoft.com/office/drawing/2014/main" id="{57D789ED-E9F7-24E6-F755-AB0AE85FD0A2}"/>
               </a:ext>
             </a:extLst>
           </p:cNvPr>
@@ -10179,7 +9996,7 @@
         </p:nvSpPr>
         <p:spPr>
           <a:xfrm>
-            <a:off x="1221133" y="2403415"/>
+            <a:off x="856787" y="2403415"/>
             <a:ext cx="2930610" cy="707886"/>
           </a:xfrm>
           <a:prstGeom prst="rect">
@@ -10246,10 +10063,10 @@
       </p:sp>
       <p:sp>
         <p:nvSpPr>
-          <p:cNvPr id="12" name="TextBox 11">
-            <a:extLst>
-              <a:ext uri="{FF2B5EF4-FFF2-40B4-BE49-F238E27FC236}">
-                <a16:creationId xmlns:a16="http://schemas.microsoft.com/office/drawing/2014/main" id="{CBE1CD65-AACE-AB31-1BE8-2240A3FDD20D}"/>
+          <p:cNvPr id="27" name="TextBox 26">
+            <a:extLst>
+              <a:ext uri="{FF2B5EF4-FFF2-40B4-BE49-F238E27FC236}">
+                <a16:creationId xmlns:a16="http://schemas.microsoft.com/office/drawing/2014/main" id="{76DFBF0E-FDF1-1F46-CC62-E837A6407A10}"/>
               </a:ext>
             </a:extLst>
           </p:cNvPr>
@@ -10258,8 +10075,8 @@
         </p:nvSpPr>
         <p:spPr>
           <a:xfrm>
-            <a:off x="1185529" y="3133096"/>
-            <a:ext cx="2348720" cy="707886"/>
+            <a:off x="888478" y="3133096"/>
+            <a:ext cx="1986441" cy="400110"/>
           </a:xfrm>
           <a:prstGeom prst="rect">
             <a:avLst/>
@@ -10290,7 +10107,7 @@
               <a:defRPr/>
             </a:pPr>
             <a:r>
-              <a:rPr kumimoji="0" lang="en-US" altLang="ko-KR" sz="2000" b="0" i="0" u="none" strike="noStrike" kern="1200" cap="none" spc="-150" normalizeH="0" baseline="0" noProof="0" err="1">
+              <a:rPr kumimoji="0" lang="en-US" altLang="ko-KR" sz="2000" b="0" i="0" u="none" strike="noStrike" kern="1200" cap="none" spc="-150" normalizeH="0" baseline="0" noProof="0" dirty="0" err="1">
                 <a:ln>
                   <a:noFill/>
                 </a:ln>
@@ -10305,90 +10122,6 @@
                 <a:cs typeface="Pretendard Black" panose="02000A03000000020004" pitchFamily="50" charset="-127"/>
               </a:rPr>
               <a:t>스킬</a:t>
-            </a:r>
-            <a:r>
-              <a:rPr kumimoji="0" lang="en-US" altLang="ko-KR" sz="2000" b="0" i="0" u="none" strike="noStrike" kern="1200" cap="none" spc="-150" normalizeH="0" baseline="0" noProof="0">
-                <a:ln>
-                  <a:noFill/>
-                </a:ln>
-                <a:solidFill>
-                  <a:prstClr val="white"/>
-                </a:solidFill>
-                <a:effectLst/>
-                <a:uLnTx/>
-                <a:uFillTx/>
-                <a:latin typeface="AppleSDGothicNeoB00" panose="02000503000000000000" pitchFamily="2" charset="-127"/>
-                <a:ea typeface="AppleSDGothicNeoB00"/>
-                <a:cs typeface="Pretendard Black" panose="02000A03000000020004" pitchFamily="50" charset="-127"/>
-              </a:rPr>
-              <a:t> 클래스</a:t>
-            </a:r>
-            <a:r>
-              <a:rPr kumimoji="0" lang="ko-KR" altLang="en-US" sz="2000" b="0" i="0" u="none" strike="noStrike" kern="1200" cap="none" spc="-150" normalizeH="0" baseline="0" noProof="0">
-                <a:ln>
-                  <a:noFill/>
-                </a:ln>
-                <a:solidFill>
-                  <a:prstClr val="white"/>
-                </a:solidFill>
-                <a:effectLst/>
-                <a:uLnTx/>
-                <a:uFillTx/>
-                <a:latin typeface="AppleSDGothicNeoB00" panose="02000503000000000000" pitchFamily="2" charset="-127"/>
-                <a:ea typeface="AppleSDGothicNeoB00"/>
-                <a:cs typeface="Pretendard Black" panose="02000A03000000020004" pitchFamily="50" charset="-127"/>
-              </a:rPr>
-              <a:t>에서</a:t>
-            </a:r>
-            <a:endParaRPr kumimoji="0" lang="en-US" altLang="ko-KR" sz="2000" b="0" i="0" u="none" strike="noStrike" kern="1200" cap="none" spc="-150" normalizeH="0" baseline="0" noProof="0" dirty="0" err="1">
-              <a:ln>
-                <a:noFill/>
-              </a:ln>
-              <a:solidFill>
-                <a:prstClr val="white"/>
-              </a:solidFill>
-              <a:effectLst/>
-              <a:uLnTx/>
-              <a:uFillTx/>
-              <a:latin typeface="AppleSDGothicNeoB00" panose="02000503000000000000" pitchFamily="2" charset="-127"/>
-              <a:ea typeface="AppleSDGothicNeoB00"/>
-              <a:cs typeface="Pretendard Black" panose="02000A03000000020004" pitchFamily="50" charset="-127"/>
-            </a:endParaRPr>
-          </a:p>
-          <a:p>
-            <a:pPr marL="0" marR="0" lvl="0" indent="0" algn="l" defTabSz="914400" rtl="0" eaLnBrk="1" fontAlgn="auto" latinLnBrk="1" hangingPunct="1">
-              <a:lnSpc>
-                <a:spcPct val="100000"/>
-              </a:lnSpc>
-              <a:spcBef>
-                <a:spcPts val="0"/>
-              </a:spcBef>
-              <a:spcAft>
-                <a:spcPts val="0"/>
-              </a:spcAft>
-              <a:buClrTx/>
-              <a:buSzTx/>
-              <a:buFontTx/>
-              <a:buNone/>
-              <a:tabLst/>
-              <a:defRPr/>
-            </a:pPr>
-            <a:r>
-              <a:rPr kumimoji="0" lang="en-US" altLang="ko-KR" sz="2000" b="0" i="0" u="none" strike="noStrike" kern="1200" cap="none" spc="-150" normalizeH="0" baseline="0" noProof="0" dirty="0" err="1">
-                <a:ln>
-                  <a:noFill/>
-                </a:ln>
-                <a:solidFill>
-                  <a:prstClr val="white"/>
-                </a:solidFill>
-                <a:effectLst/>
-                <a:uLnTx/>
-                <a:uFillTx/>
-                <a:latin typeface="AppleSDGothicNeoB00" panose="02000503000000000000" pitchFamily="2" charset="-127"/>
-                <a:ea typeface="AppleSDGothicNeoB00"/>
-                <a:cs typeface="Pretendard Black" panose="02000A03000000020004" pitchFamily="50" charset="-127"/>
-              </a:rPr>
-              <a:t>광역기</a:t>
             </a:r>
             <a:r>
               <a:rPr kumimoji="0" lang="en-US" altLang="ko-KR" sz="2000" b="0" i="0" u="none" strike="noStrike" kern="1200" cap="none" spc="-150" normalizeH="0" baseline="0" noProof="0" dirty="0">
@@ -10408,7 +10141,7 @@
               <a:t> </a:t>
             </a:r>
             <a:r>
-              <a:rPr kumimoji="0" lang="en-US" altLang="ko-KR" sz="2000" b="0" i="0" u="none" strike="noStrike" kern="1200" cap="none" spc="-150" normalizeH="0" baseline="0" noProof="0" err="1">
+              <a:rPr kumimoji="0" lang="en-US" altLang="ko-KR" sz="2000" b="0" i="0" u="none" strike="noStrike" kern="1200" cap="none" spc="-150" normalizeH="0" baseline="0" noProof="0" dirty="0" err="1">
                 <a:ln>
                   <a:noFill/>
                 </a:ln>
@@ -10422,10 +10155,10 @@
                 <a:ea typeface="AppleSDGothicNeoB00"/>
                 <a:cs typeface="Pretendard Black" panose="02000A03000000020004" pitchFamily="50" charset="-127"/>
               </a:rPr>
-              <a:t>여부를</a:t>
-            </a:r>
-            <a:r>
-              <a:rPr kumimoji="0" lang="en-US" altLang="ko-KR" sz="2000" b="0" i="0" u="none" strike="noStrike" kern="1200" cap="none" spc="-150" normalizeH="0" baseline="0" noProof="0">
+              <a:t>프리셋</a:t>
+            </a:r>
+            <a:r>
+              <a:rPr kumimoji="0" lang="en-US" altLang="ko-KR" sz="2000" b="0" i="0" u="none" strike="noStrike" kern="1200" cap="none" spc="-150" normalizeH="0" baseline="0" noProof="0" dirty="0">
                 <a:ln>
                   <a:noFill/>
                 </a:ln>
@@ -10439,10 +10172,10 @@
                 <a:ea typeface="AppleSDGothicNeoB00"/>
                 <a:cs typeface="Pretendard Black" panose="02000A03000000020004" pitchFamily="50" charset="-127"/>
               </a:rPr>
-              <a:t> 결정</a:t>
-            </a:r>
-            <a:r>
-              <a:rPr kumimoji="0" lang="ko-KR" altLang="en-US" sz="2000" b="0" i="0" u="none" strike="noStrike" kern="1200" cap="none" spc="-150" normalizeH="0" baseline="0" noProof="0">
+              <a:t> </a:t>
+            </a:r>
+            <a:r>
+              <a:rPr kumimoji="0" lang="en-US" altLang="ko-KR" sz="2000" b="0" i="0" u="none" strike="noStrike" kern="1200" cap="none" spc="-150" normalizeH="0" baseline="0" noProof="0" dirty="0" err="1">
                 <a:ln>
                   <a:noFill/>
                 </a:ln>
@@ -10456,31 +10189,47 @@
                 <a:ea typeface="AppleSDGothicNeoB00"/>
                 <a:cs typeface="Pretendard Black" panose="02000A03000000020004" pitchFamily="50" charset="-127"/>
               </a:rPr>
-              <a:t>해요</a:t>
-            </a:r>
-            <a:endParaRPr kumimoji="0" lang="en-US" altLang="ko-KR" sz="2000" b="0" i="0" u="none" strike="noStrike" kern="1200" cap="none" spc="-150" normalizeH="0" baseline="0" noProof="0" dirty="0" err="1">
-              <a:ln>
-                <a:noFill/>
-              </a:ln>
-              <a:solidFill>
-                <a:prstClr val="white"/>
-              </a:solidFill>
-              <a:effectLst/>
-              <a:uLnTx/>
-              <a:uFillTx/>
-              <a:latin typeface="AppleSDGothicNeoB00" panose="02000503000000000000" pitchFamily="2" charset="-127"/>
-              <a:ea typeface="AppleSDGothicNeoB00"/>
-              <a:cs typeface="Pretendard Black" panose="02000A03000000020004" pitchFamily="50" charset="-127"/>
-            </a:endParaRPr>
-          </a:p>
-        </p:txBody>
-      </p:sp>
-      <p:sp>
-        <p:nvSpPr>
-          <p:cNvPr id="13" name="순서도: 연결자 12">
-            <a:extLst>
-              <a:ext uri="{FF2B5EF4-FFF2-40B4-BE49-F238E27FC236}">
-                <a16:creationId xmlns:a16="http://schemas.microsoft.com/office/drawing/2014/main" id="{5B6CD26B-196E-AB45-6F02-4EF4A9E6A158}"/>
+              <a:t>생성</a:t>
+            </a:r>
+          </a:p>
+        </p:txBody>
+      </p:sp>
+      <p:pic>
+        <p:nvPicPr>
+          <p:cNvPr id="2" name="그림 1" descr="텍스트, 스크린샷이(가) 표시된 사진&#10;&#10;자동 생성된 설명">
+            <a:extLst>
+              <a:ext uri="{FF2B5EF4-FFF2-40B4-BE49-F238E27FC236}">
+                <a16:creationId xmlns:a16="http://schemas.microsoft.com/office/drawing/2014/main" id="{772306EF-C56C-25F5-55DE-09806A75A48C}"/>
+              </a:ext>
+            </a:extLst>
+          </p:cNvPr>
+          <p:cNvPicPr>
+            <a:picLocks noChangeAspect="1"/>
+          </p:cNvPicPr>
+          <p:nvPr/>
+        </p:nvPicPr>
+        <p:blipFill>
+          <a:blip r:embed="rId3"/>
+          <a:stretch>
+            <a:fillRect/>
+          </a:stretch>
+        </p:blipFill>
+        <p:spPr>
+          <a:xfrm>
+            <a:off x="4915949" y="2403415"/>
+            <a:ext cx="6276813" cy="3821277"/>
+          </a:xfrm>
+          <a:prstGeom prst="rect">
+            <a:avLst/>
+          </a:prstGeom>
+        </p:spPr>
+      </p:pic>
+      <p:sp>
+        <p:nvSpPr>
+          <p:cNvPr id="4" name="직사각형 3">
+            <a:extLst>
+              <a:ext uri="{FF2B5EF4-FFF2-40B4-BE49-F238E27FC236}">
+                <a16:creationId xmlns:a16="http://schemas.microsoft.com/office/drawing/2014/main" id="{0C692AD6-7861-B378-8239-337E24A7D480}"/>
               </a:ext>
             </a:extLst>
           </p:cNvPr>
@@ -10489,20 +10238,17 @@
         </p:nvSpPr>
         <p:spPr>
           <a:xfrm>
-            <a:off x="1153838" y="1556951"/>
-            <a:ext cx="216000" cy="216000"/>
-          </a:xfrm>
-          <a:prstGeom prst="flowChartConnector">
+            <a:off x="0" y="0"/>
+            <a:ext cx="12192000" cy="6858000"/>
+          </a:xfrm>
+          <a:prstGeom prst="rect">
             <a:avLst/>
           </a:prstGeom>
           <a:solidFill>
-            <a:schemeClr val="bg1">
-              <a:alpha val="57000"/>
+            <a:schemeClr val="tx1">
+              <a:alpha val="68000"/>
             </a:schemeClr>
           </a:solidFill>
-          <a:ln>
-            <a:noFill/>
-          </a:ln>
         </p:spPr>
         <p:style>
           <a:lnRef idx="2">
@@ -10529,12 +10275,105 @@
           </a:p>
         </p:txBody>
       </p:sp>
-      <p:sp>
-        <p:nvSpPr>
-          <p:cNvPr id="14" name="순서도: 연결자 13">
-            <a:extLst>
-              <a:ext uri="{FF2B5EF4-FFF2-40B4-BE49-F238E27FC236}">
-                <a16:creationId xmlns:a16="http://schemas.microsoft.com/office/drawing/2014/main" id="{01A78D8F-182D-06F8-D08A-36DDD2090E87}"/>
+      <p:pic>
+        <p:nvPicPr>
+          <p:cNvPr id="3" name="그림 2" descr="텍스트, 스크린샷이(가) 표시된 사진&#10;&#10;자동 생성된 설명">
+            <a:extLst>
+              <a:ext uri="{FF2B5EF4-FFF2-40B4-BE49-F238E27FC236}">
+                <a16:creationId xmlns:a16="http://schemas.microsoft.com/office/drawing/2014/main" id="{A9971D72-2401-8659-CF06-DB664C7EA371}"/>
+              </a:ext>
+            </a:extLst>
+          </p:cNvPr>
+          <p:cNvPicPr>
+            <a:picLocks noChangeAspect="1"/>
+          </p:cNvPicPr>
+          <p:nvPr/>
+        </p:nvPicPr>
+        <p:blipFill>
+          <a:blip r:embed="rId4"/>
+          <a:srcRect t="29388"/>
+          <a:stretch/>
+        </p:blipFill>
+        <p:spPr>
+          <a:xfrm>
+            <a:off x="1094310" y="1830106"/>
+            <a:ext cx="10003379" cy="4489325"/>
+          </a:xfrm>
+          <a:prstGeom prst="rect">
+            <a:avLst/>
+          </a:prstGeom>
+        </p:spPr>
+      </p:pic>
+      <p:sp>
+        <p:nvSpPr>
+          <p:cNvPr id="5" name="TextBox 4">
+            <a:extLst>
+              <a:ext uri="{FF2B5EF4-FFF2-40B4-BE49-F238E27FC236}">
+                <a16:creationId xmlns:a16="http://schemas.microsoft.com/office/drawing/2014/main" id="{D35095E0-EE14-2A04-43AF-7AF4CDC9AB40}"/>
+              </a:ext>
+            </a:extLst>
+          </p:cNvPr>
+          <p:cNvSpPr txBox="1"/>
+          <p:nvPr/>
+        </p:nvSpPr>
+        <p:spPr>
+          <a:xfrm>
+            <a:off x="1240899" y="1522329"/>
+            <a:ext cx="1242648" cy="307777"/>
+          </a:xfrm>
+          <a:prstGeom prst="rect">
+            <a:avLst/>
+          </a:prstGeom>
+          <a:noFill/>
+        </p:spPr>
+        <p:txBody>
+          <a:bodyPr wrap="none" rtlCol="0">
+            <a:spAutoFit/>
+          </a:bodyPr>
+          <a:lstStyle/>
+          <a:p>
+            <a:r>
+              <a:rPr lang="ko-KR" altLang="en-US" sz="1400">
+                <a:solidFill>
+                  <a:schemeClr val="bg1">
+                    <a:lumMod val="75000"/>
+                  </a:schemeClr>
+                </a:solidFill>
+                <a:latin typeface="AppleSDGothicNeoB00" panose="02000503000000000000" pitchFamily="2" charset="-127"/>
+                <a:ea typeface="AppleSDGothicNeoB00" panose="02000503000000000000" pitchFamily="2" charset="-127"/>
+              </a:rPr>
+              <a:t>스킬셋 클래스</a:t>
+            </a:r>
+            <a:r>
+              <a:rPr lang="en-US" altLang="ko-KR" sz="1400">
+                <a:solidFill>
+                  <a:schemeClr val="bg1">
+                    <a:lumMod val="75000"/>
+                  </a:schemeClr>
+                </a:solidFill>
+                <a:latin typeface="AppleSDGothicNeoB00" panose="02000503000000000000" pitchFamily="2" charset="-127"/>
+                <a:ea typeface="AppleSDGothicNeoB00" panose="02000503000000000000" pitchFamily="2" charset="-127"/>
+              </a:rPr>
+              <a:t>?</a:t>
+            </a:r>
+            <a:endParaRPr lang="ko-KR" altLang="en-US" sz="1400">
+              <a:solidFill>
+                <a:schemeClr val="bg1">
+                  <a:lumMod val="75000"/>
+                </a:schemeClr>
+              </a:solidFill>
+              <a:latin typeface="AppleSDGothicNeoB00" panose="02000503000000000000" pitchFamily="2" charset="-127"/>
+              <a:ea typeface="AppleSDGothicNeoB00" panose="02000503000000000000" pitchFamily="2" charset="-127"/>
+            </a:endParaRPr>
+          </a:p>
+        </p:txBody>
+      </p:sp>
+      <p:sp>
+        <p:nvSpPr>
+          <p:cNvPr id="6" name="이등변 삼각형 5">
+            <a:extLst>
+              <a:ext uri="{FF2B5EF4-FFF2-40B4-BE49-F238E27FC236}">
+                <a16:creationId xmlns:a16="http://schemas.microsoft.com/office/drawing/2014/main" id="{8D3C1AA6-3E1F-E242-110C-E236E3461570}"/>
               </a:ext>
             </a:extLst>
           </p:cNvPr>
@@ -10542,21 +10381,18 @@
           <p:nvPr/>
         </p:nvSpPr>
         <p:spPr>
-          <a:xfrm>
-            <a:off x="1474861" y="1556951"/>
-            <a:ext cx="216000" cy="216000"/>
-          </a:xfrm>
-          <a:prstGeom prst="flowChartConnector">
+          <a:xfrm rot="5400000">
+            <a:off x="1082582" y="1592368"/>
+            <a:ext cx="170044" cy="146589"/>
+          </a:xfrm>
+          <a:prstGeom prst="triangle">
             <a:avLst/>
           </a:prstGeom>
           <a:solidFill>
             <a:schemeClr val="bg1">
-              <a:alpha val="57000"/>
+              <a:alpha val="76000"/>
             </a:schemeClr>
           </a:solidFill>
-          <a:ln>
-            <a:noFill/>
-          </a:ln>
         </p:spPr>
         <p:style>
           <a:lnRef idx="2">
@@ -10583,116 +10419,10 @@
           </a:p>
         </p:txBody>
       </p:sp>
-      <p:sp>
-        <p:nvSpPr>
-          <p:cNvPr id="15" name="순서도: 연결자 14">
-            <a:extLst>
-              <a:ext uri="{FF2B5EF4-FFF2-40B4-BE49-F238E27FC236}">
-                <a16:creationId xmlns:a16="http://schemas.microsoft.com/office/drawing/2014/main" id="{D2D87451-BD6C-622D-05B0-E9195150C053}"/>
-              </a:ext>
-            </a:extLst>
-          </p:cNvPr>
-          <p:cNvSpPr/>
-          <p:nvPr/>
-        </p:nvSpPr>
-        <p:spPr>
-          <a:xfrm>
-            <a:off x="1795884" y="1556951"/>
-            <a:ext cx="216000" cy="216000"/>
-          </a:xfrm>
-          <a:prstGeom prst="flowChartConnector">
-            <a:avLst/>
-          </a:prstGeom>
-          <a:solidFill>
-            <a:schemeClr val="bg1">
-              <a:alpha val="57000"/>
-            </a:schemeClr>
-          </a:solidFill>
-          <a:ln>
-            <a:noFill/>
-          </a:ln>
-        </p:spPr>
-        <p:style>
-          <a:lnRef idx="2">
-            <a:schemeClr val="accent1">
-              <a:shade val="15000"/>
-            </a:schemeClr>
-          </a:lnRef>
-          <a:fillRef idx="1">
-            <a:schemeClr val="accent1"/>
-          </a:fillRef>
-          <a:effectRef idx="0">
-            <a:schemeClr val="accent1"/>
-          </a:effectRef>
-          <a:fontRef idx="minor">
-            <a:schemeClr val="lt1"/>
-          </a:fontRef>
-        </p:style>
-        <p:txBody>
-          <a:bodyPr rtlCol="0" anchor="ctr"/>
-          <a:lstStyle/>
-          <a:p>
-            <a:pPr algn="ctr"/>
-            <a:endParaRPr lang="ko-KR" altLang="en-US"/>
-          </a:p>
-        </p:txBody>
-      </p:sp>
-      <p:sp>
-        <p:nvSpPr>
-          <p:cNvPr id="16" name="순서도: 연결자 15">
-            <a:extLst>
-              <a:ext uri="{FF2B5EF4-FFF2-40B4-BE49-F238E27FC236}">
-                <a16:creationId xmlns:a16="http://schemas.microsoft.com/office/drawing/2014/main" id="{179EE0F3-D185-B9FE-1962-B2D82093EE6A}"/>
-              </a:ext>
-            </a:extLst>
-          </p:cNvPr>
-          <p:cNvSpPr/>
-          <p:nvPr/>
-        </p:nvSpPr>
-        <p:spPr>
-          <a:xfrm>
-            <a:off x="2116907" y="1556951"/>
-            <a:ext cx="216000" cy="216000"/>
-          </a:xfrm>
-          <a:prstGeom prst="flowChartConnector">
-            <a:avLst/>
-          </a:prstGeom>
-          <a:solidFill>
-            <a:schemeClr val="bg1"/>
-          </a:solidFill>
-          <a:ln>
-            <a:noFill/>
-          </a:ln>
-        </p:spPr>
-        <p:style>
-          <a:lnRef idx="2">
-            <a:schemeClr val="accent1">
-              <a:shade val="15000"/>
-            </a:schemeClr>
-          </a:lnRef>
-          <a:fillRef idx="1">
-            <a:schemeClr val="accent1"/>
-          </a:fillRef>
-          <a:effectRef idx="0">
-            <a:schemeClr val="accent1"/>
-          </a:effectRef>
-          <a:fontRef idx="minor">
-            <a:schemeClr val="lt1"/>
-          </a:fontRef>
-        </p:style>
-        <p:txBody>
-          <a:bodyPr rtlCol="0" anchor="ctr"/>
-          <a:lstStyle/>
-          <a:p>
-            <a:pPr algn="ctr"/>
-            <a:endParaRPr lang="ko-KR" altLang="en-US"/>
-          </a:p>
-        </p:txBody>
-      </p:sp>
     </p:spTree>
     <p:extLst>
       <p:ext uri="{BB962C8B-B14F-4D97-AF65-F5344CB8AC3E}">
-        <p14:creationId xmlns:p14="http://schemas.microsoft.com/office/powerpoint/2010/main" val="2796479059"/>
+        <p14:creationId xmlns:p14="http://schemas.microsoft.com/office/powerpoint/2010/main" val="835733144"/>
       </p:ext>
     </p:extLst>
   </p:cSld>
@@ -10727,12 +10457,42 @@
           <a:chExt cx="0" cy="0"/>
         </a:xfrm>
       </p:grpSpPr>
-      <p:sp>
-        <p:nvSpPr>
-          <p:cNvPr id="7" name="TextBox 6">
-            <a:extLst>
-              <a:ext uri="{FF2B5EF4-FFF2-40B4-BE49-F238E27FC236}">
-                <a16:creationId xmlns:a16="http://schemas.microsoft.com/office/drawing/2014/main" id="{57D789ED-E9F7-24E6-F755-AB0AE85FD0A2}"/>
+      <p:pic>
+        <p:nvPicPr>
+          <p:cNvPr id="2" name="그림 1" descr="텍스트, 스크린샷이(가) 표시된 사진&#10;&#10;자동 생성된 설명">
+            <a:extLst>
+              <a:ext uri="{FF2B5EF4-FFF2-40B4-BE49-F238E27FC236}">
+                <a16:creationId xmlns:a16="http://schemas.microsoft.com/office/drawing/2014/main" id="{772306EF-C56C-25F5-55DE-09806A75A48C}"/>
+              </a:ext>
+            </a:extLst>
+          </p:cNvPr>
+          <p:cNvPicPr>
+            <a:picLocks noChangeAspect="1"/>
+          </p:cNvPicPr>
+          <p:nvPr/>
+        </p:nvPicPr>
+        <p:blipFill>
+          <a:blip r:embed="rId3"/>
+          <a:stretch>
+            <a:fillRect/>
+          </a:stretch>
+        </p:blipFill>
+        <p:spPr>
+          <a:xfrm>
+            <a:off x="4915949" y="2403415"/>
+            <a:ext cx="6276813" cy="3821277"/>
+          </a:xfrm>
+          <a:prstGeom prst="rect">
+            <a:avLst/>
+          </a:prstGeom>
+        </p:spPr>
+      </p:pic>
+      <p:sp>
+        <p:nvSpPr>
+          <p:cNvPr id="11" name="TextBox 10">
+            <a:extLst>
+              <a:ext uri="{FF2B5EF4-FFF2-40B4-BE49-F238E27FC236}">
+                <a16:creationId xmlns:a16="http://schemas.microsoft.com/office/drawing/2014/main" id="{13C96B96-9A65-9172-F786-47F21C61D1BE}"/>
               </a:ext>
             </a:extLst>
           </p:cNvPr>
@@ -10741,7 +10501,7 @@
         </p:nvSpPr>
         <p:spPr>
           <a:xfrm>
-            <a:off x="856787" y="2403415"/>
+            <a:off x="1221133" y="2403415"/>
             <a:ext cx="2930610" cy="707886"/>
           </a:xfrm>
           <a:prstGeom prst="rect">
@@ -10808,10 +10568,10 @@
       </p:sp>
       <p:sp>
         <p:nvSpPr>
-          <p:cNvPr id="27" name="TextBox 26">
-            <a:extLst>
-              <a:ext uri="{FF2B5EF4-FFF2-40B4-BE49-F238E27FC236}">
-                <a16:creationId xmlns:a16="http://schemas.microsoft.com/office/drawing/2014/main" id="{76DFBF0E-FDF1-1F46-CC62-E837A6407A10}"/>
+          <p:cNvPr id="12" name="TextBox 11">
+            <a:extLst>
+              <a:ext uri="{FF2B5EF4-FFF2-40B4-BE49-F238E27FC236}">
+                <a16:creationId xmlns:a16="http://schemas.microsoft.com/office/drawing/2014/main" id="{CBE1CD65-AACE-AB31-1BE8-2240A3FDD20D}"/>
               </a:ext>
             </a:extLst>
           </p:cNvPr>
@@ -10820,8 +10580,8 @@
         </p:nvSpPr>
         <p:spPr>
           <a:xfrm>
-            <a:off x="888478" y="3133096"/>
-            <a:ext cx="1986441" cy="400110"/>
+            <a:off x="1185529" y="3133096"/>
+            <a:ext cx="2300630" cy="400110"/>
           </a:xfrm>
           <a:prstGeom prst="rect">
             <a:avLst/>
@@ -10852,7 +10612,7 @@
               <a:defRPr/>
             </a:pPr>
             <a:r>
-              <a:rPr kumimoji="0" lang="en-US" altLang="ko-KR" sz="2000" b="0" i="0" u="none" strike="noStrike" kern="1200" cap="none" spc="-150" normalizeH="0" baseline="0" noProof="0" dirty="0" err="1">
+              <a:rPr kumimoji="0" lang="en-US" altLang="ko-KR" sz="2000" b="0" i="0" u="none" strike="noStrike" kern="1200" cap="none" spc="-150" normalizeH="0" baseline="0" noProof="0">
                 <a:ln>
                   <a:noFill/>
                 </a:ln>
@@ -10869,7 +10629,18 @@
               <a:t>스킬</a:t>
             </a:r>
             <a:r>
-              <a:rPr kumimoji="0" lang="en-US" altLang="ko-KR" sz="2000" b="0" i="0" u="none" strike="noStrike" kern="1200" cap="none" spc="-150" normalizeH="0" baseline="0" noProof="0" dirty="0">
+              <a:rPr lang="ko-KR" altLang="en-US" sz="2000" spc="-150">
+                <a:solidFill>
+                  <a:prstClr val="white"/>
+                </a:solidFill>
+                <a:latin typeface="AppleSDGothicNeoB00" panose="02000503000000000000" pitchFamily="2" charset="-127"/>
+                <a:ea typeface="AppleSDGothicNeoB00"/>
+                <a:cs typeface="Pretendard Black" panose="02000A03000000020004" pitchFamily="50" charset="-127"/>
+              </a:rPr>
+              <a:t> 리스트를</a:t>
+            </a:r>
+            <a:r>
+              <a:rPr kumimoji="0" lang="ko-KR" altLang="en-US" sz="2000" b="0" i="0" u="none" strike="noStrike" kern="1200" cap="none" spc="-150" normalizeH="0" baseline="0" noProof="0">
                 <a:ln>
                   <a:noFill/>
                 </a:ln>
@@ -10883,98 +10654,31 @@
                 <a:ea typeface="AppleSDGothicNeoB00"/>
                 <a:cs typeface="Pretendard Black" panose="02000A03000000020004" pitchFamily="50" charset="-127"/>
               </a:rPr>
-              <a:t> </a:t>
-            </a:r>
-            <a:r>
-              <a:rPr kumimoji="0" lang="en-US" altLang="ko-KR" sz="2000" b="0" i="0" u="none" strike="noStrike" kern="1200" cap="none" spc="-150" normalizeH="0" baseline="0" noProof="0" dirty="0" err="1">
-                <a:ln>
-                  <a:noFill/>
-                </a:ln>
-                <a:solidFill>
-                  <a:prstClr val="white"/>
-                </a:solidFill>
-                <a:effectLst/>
-                <a:uLnTx/>
-                <a:uFillTx/>
-                <a:latin typeface="AppleSDGothicNeoB00" panose="02000503000000000000" pitchFamily="2" charset="-127"/>
-                <a:ea typeface="AppleSDGothicNeoB00"/>
-                <a:cs typeface="Pretendard Black" panose="02000A03000000020004" pitchFamily="50" charset="-127"/>
-              </a:rPr>
-              <a:t>프리셋</a:t>
-            </a:r>
-            <a:r>
-              <a:rPr kumimoji="0" lang="en-US" altLang="ko-KR" sz="2000" b="0" i="0" u="none" strike="noStrike" kern="1200" cap="none" spc="-150" normalizeH="0" baseline="0" noProof="0" dirty="0">
-                <a:ln>
-                  <a:noFill/>
-                </a:ln>
-                <a:solidFill>
-                  <a:prstClr val="white"/>
-                </a:solidFill>
-                <a:effectLst/>
-                <a:uLnTx/>
-                <a:uFillTx/>
-                <a:latin typeface="AppleSDGothicNeoB00" panose="02000503000000000000" pitchFamily="2" charset="-127"/>
-                <a:ea typeface="AppleSDGothicNeoB00"/>
-                <a:cs typeface="Pretendard Black" panose="02000A03000000020004" pitchFamily="50" charset="-127"/>
-              </a:rPr>
-              <a:t> </a:t>
-            </a:r>
-            <a:r>
-              <a:rPr kumimoji="0" lang="en-US" altLang="ko-KR" sz="2000" b="0" i="0" u="none" strike="noStrike" kern="1200" cap="none" spc="-150" normalizeH="0" baseline="0" noProof="0" dirty="0" err="1">
-                <a:ln>
-                  <a:noFill/>
-                </a:ln>
-                <a:solidFill>
-                  <a:prstClr val="white"/>
-                </a:solidFill>
-                <a:effectLst/>
-                <a:uLnTx/>
-                <a:uFillTx/>
-                <a:latin typeface="AppleSDGothicNeoB00" panose="02000503000000000000" pitchFamily="2" charset="-127"/>
-                <a:ea typeface="AppleSDGothicNeoB00"/>
-                <a:cs typeface="Pretendard Black" panose="02000A03000000020004" pitchFamily="50" charset="-127"/>
-              </a:rPr>
-              <a:t>생성</a:t>
-            </a:r>
-          </a:p>
-        </p:txBody>
-      </p:sp>
-      <p:pic>
-        <p:nvPicPr>
-          <p:cNvPr id="2" name="그림 1" descr="텍스트, 스크린샷이(가) 표시된 사진&#10;&#10;자동 생성된 설명">
-            <a:extLst>
-              <a:ext uri="{FF2B5EF4-FFF2-40B4-BE49-F238E27FC236}">
-                <a16:creationId xmlns:a16="http://schemas.microsoft.com/office/drawing/2014/main" id="{772306EF-C56C-25F5-55DE-09806A75A48C}"/>
-              </a:ext>
-            </a:extLst>
-          </p:cNvPr>
-          <p:cNvPicPr>
-            <a:picLocks noChangeAspect="1"/>
-          </p:cNvPicPr>
-          <p:nvPr/>
-        </p:nvPicPr>
-        <p:blipFill>
-          <a:blip r:embed="rId3"/>
-          <a:stretch>
-            <a:fillRect/>
-          </a:stretch>
-        </p:blipFill>
-        <p:spPr>
-          <a:xfrm>
-            <a:off x="4915949" y="2403415"/>
-            <a:ext cx="6276813" cy="3821277"/>
-          </a:xfrm>
-          <a:prstGeom prst="rect">
-            <a:avLst/>
-          </a:prstGeom>
-        </p:spPr>
-      </p:pic>
-      <p:sp>
-        <p:nvSpPr>
-          <p:cNvPr id="4" name="직사각형 3">
-            <a:extLst>
-              <a:ext uri="{FF2B5EF4-FFF2-40B4-BE49-F238E27FC236}">
-                <a16:creationId xmlns:a16="http://schemas.microsoft.com/office/drawing/2014/main" id="{0C692AD6-7861-B378-8239-337E24A7D480}"/>
+              <a:t> 생성해요</a:t>
+            </a:r>
+            <a:endParaRPr kumimoji="0" lang="en-US" altLang="ko-KR" sz="2000" b="0" i="0" u="none" strike="noStrike" kern="1200" cap="none" spc="-150" normalizeH="0" baseline="0" noProof="0" dirty="0" err="1">
+              <a:ln>
+                <a:noFill/>
+              </a:ln>
+              <a:solidFill>
+                <a:prstClr val="white"/>
+              </a:solidFill>
+              <a:effectLst/>
+              <a:uLnTx/>
+              <a:uFillTx/>
+              <a:latin typeface="AppleSDGothicNeoB00" panose="02000503000000000000" pitchFamily="2" charset="-127"/>
+              <a:ea typeface="AppleSDGothicNeoB00"/>
+              <a:cs typeface="Pretendard Black" panose="02000A03000000020004" pitchFamily="50" charset="-127"/>
+            </a:endParaRPr>
+          </a:p>
+        </p:txBody>
+      </p:sp>
+      <p:sp>
+        <p:nvSpPr>
+          <p:cNvPr id="13" name="순서도: 연결자 12">
+            <a:extLst>
+              <a:ext uri="{FF2B5EF4-FFF2-40B4-BE49-F238E27FC236}">
+                <a16:creationId xmlns:a16="http://schemas.microsoft.com/office/drawing/2014/main" id="{5B6CD26B-196E-AB45-6F02-4EF4A9E6A158}"/>
               </a:ext>
             </a:extLst>
           </p:cNvPr>
@@ -10983,17 +10687,20 @@
         </p:nvSpPr>
         <p:spPr>
           <a:xfrm>
-            <a:off x="0" y="0"/>
-            <a:ext cx="12192000" cy="6858000"/>
-          </a:xfrm>
-          <a:prstGeom prst="rect">
+            <a:off x="1153838" y="1556951"/>
+            <a:ext cx="216000" cy="216000"/>
+          </a:xfrm>
+          <a:prstGeom prst="flowChartConnector">
             <a:avLst/>
           </a:prstGeom>
           <a:solidFill>
-            <a:schemeClr val="tx1">
-              <a:alpha val="68000"/>
+            <a:schemeClr val="bg1">
+              <a:alpha val="57000"/>
             </a:schemeClr>
           </a:solidFill>
+          <a:ln>
+            <a:noFill/>
+          </a:ln>
         </p:spPr>
         <p:style>
           <a:lnRef idx="2">
@@ -11020,105 +10727,12 @@
           </a:p>
         </p:txBody>
       </p:sp>
-      <p:pic>
-        <p:nvPicPr>
-          <p:cNvPr id="3" name="그림 2" descr="텍스트, 스크린샷이(가) 표시된 사진&#10;&#10;자동 생성된 설명">
-            <a:extLst>
-              <a:ext uri="{FF2B5EF4-FFF2-40B4-BE49-F238E27FC236}">
-                <a16:creationId xmlns:a16="http://schemas.microsoft.com/office/drawing/2014/main" id="{A9971D72-2401-8659-CF06-DB664C7EA371}"/>
-              </a:ext>
-            </a:extLst>
-          </p:cNvPr>
-          <p:cNvPicPr>
-            <a:picLocks noChangeAspect="1"/>
-          </p:cNvPicPr>
-          <p:nvPr/>
-        </p:nvPicPr>
-        <p:blipFill>
-          <a:blip r:embed="rId4"/>
-          <a:srcRect t="28667"/>
-          <a:stretch/>
-        </p:blipFill>
-        <p:spPr>
-          <a:xfrm>
-            <a:off x="2874919" y="1753480"/>
-            <a:ext cx="8833013" cy="4004528"/>
-          </a:xfrm>
-          <a:prstGeom prst="rect">
-            <a:avLst/>
-          </a:prstGeom>
-        </p:spPr>
-      </p:pic>
-      <p:sp>
-        <p:nvSpPr>
-          <p:cNvPr id="5" name="TextBox 4">
-            <a:extLst>
-              <a:ext uri="{FF2B5EF4-FFF2-40B4-BE49-F238E27FC236}">
-                <a16:creationId xmlns:a16="http://schemas.microsoft.com/office/drawing/2014/main" id="{D35095E0-EE14-2A04-43AF-7AF4CDC9AB40}"/>
-              </a:ext>
-            </a:extLst>
-          </p:cNvPr>
-          <p:cNvSpPr txBox="1"/>
-          <p:nvPr/>
-        </p:nvSpPr>
-        <p:spPr>
-          <a:xfrm>
-            <a:off x="3166073" y="1445703"/>
-            <a:ext cx="1087157" cy="307777"/>
-          </a:xfrm>
-          <a:prstGeom prst="rect">
-            <a:avLst/>
-          </a:prstGeom>
-          <a:noFill/>
-        </p:spPr>
-        <p:txBody>
-          <a:bodyPr wrap="none" rtlCol="0">
-            <a:spAutoFit/>
-          </a:bodyPr>
-          <a:lstStyle/>
-          <a:p>
-            <a:r>
-              <a:rPr lang="ko-KR" altLang="en-US" sz="1400">
-                <a:solidFill>
-                  <a:schemeClr val="bg1">
-                    <a:lumMod val="75000"/>
-                  </a:schemeClr>
-                </a:solidFill>
-                <a:latin typeface="AppleSDGothicNeoB00" panose="02000503000000000000" pitchFamily="2" charset="-127"/>
-                <a:ea typeface="AppleSDGothicNeoB00" panose="02000503000000000000" pitchFamily="2" charset="-127"/>
-              </a:rPr>
-              <a:t>스킬 프리셋</a:t>
-            </a:r>
-            <a:r>
-              <a:rPr lang="en-US" altLang="ko-KR" sz="1400">
-                <a:solidFill>
-                  <a:schemeClr val="bg1">
-                    <a:lumMod val="75000"/>
-                  </a:schemeClr>
-                </a:solidFill>
-                <a:latin typeface="AppleSDGothicNeoB00" panose="02000503000000000000" pitchFamily="2" charset="-127"/>
-                <a:ea typeface="AppleSDGothicNeoB00" panose="02000503000000000000" pitchFamily="2" charset="-127"/>
-              </a:rPr>
-              <a:t>?</a:t>
-            </a:r>
-            <a:endParaRPr lang="ko-KR" altLang="en-US" sz="1400">
-              <a:solidFill>
-                <a:schemeClr val="bg1">
-                  <a:lumMod val="75000"/>
-                </a:schemeClr>
-              </a:solidFill>
-              <a:latin typeface="AppleSDGothicNeoB00" panose="02000503000000000000" pitchFamily="2" charset="-127"/>
-              <a:ea typeface="AppleSDGothicNeoB00" panose="02000503000000000000" pitchFamily="2" charset="-127"/>
-            </a:endParaRPr>
-          </a:p>
-        </p:txBody>
-      </p:sp>
-      <p:sp>
-        <p:nvSpPr>
-          <p:cNvPr id="6" name="이등변 삼각형 5">
-            <a:extLst>
-              <a:ext uri="{FF2B5EF4-FFF2-40B4-BE49-F238E27FC236}">
-                <a16:creationId xmlns:a16="http://schemas.microsoft.com/office/drawing/2014/main" id="{8D3C1AA6-3E1F-E242-110C-E236E3461570}"/>
+      <p:sp>
+        <p:nvSpPr>
+          <p:cNvPr id="14" name="순서도: 연결자 13">
+            <a:extLst>
+              <a:ext uri="{FF2B5EF4-FFF2-40B4-BE49-F238E27FC236}">
+                <a16:creationId xmlns:a16="http://schemas.microsoft.com/office/drawing/2014/main" id="{01A78D8F-182D-06F8-D08A-36DDD2090E87}"/>
               </a:ext>
             </a:extLst>
           </p:cNvPr>
@@ -11126,18 +10740,21 @@
           <p:nvPr/>
         </p:nvSpPr>
         <p:spPr>
-          <a:xfrm rot="5400000">
-            <a:off x="3007756" y="1515742"/>
-            <a:ext cx="170044" cy="146589"/>
-          </a:xfrm>
-          <a:prstGeom prst="triangle">
+          <a:xfrm>
+            <a:off x="1474861" y="1556951"/>
+            <a:ext cx="216000" cy="216000"/>
+          </a:xfrm>
+          <a:prstGeom prst="flowChartConnector">
             <a:avLst/>
           </a:prstGeom>
           <a:solidFill>
             <a:schemeClr val="bg1">
-              <a:alpha val="76000"/>
+              <a:alpha val="57000"/>
             </a:schemeClr>
           </a:solidFill>
+          <a:ln>
+            <a:noFill/>
+          </a:ln>
         </p:spPr>
         <p:style>
           <a:lnRef idx="2">
@@ -11164,10 +10781,62 @@
           </a:p>
         </p:txBody>
       </p:sp>
+      <p:sp>
+        <p:nvSpPr>
+          <p:cNvPr id="15" name="순서도: 연결자 14">
+            <a:extLst>
+              <a:ext uri="{FF2B5EF4-FFF2-40B4-BE49-F238E27FC236}">
+                <a16:creationId xmlns:a16="http://schemas.microsoft.com/office/drawing/2014/main" id="{D2D87451-BD6C-622D-05B0-E9195150C053}"/>
+              </a:ext>
+            </a:extLst>
+          </p:cNvPr>
+          <p:cNvSpPr/>
+          <p:nvPr/>
+        </p:nvSpPr>
+        <p:spPr>
+          <a:xfrm>
+            <a:off x="1795884" y="1556951"/>
+            <a:ext cx="216000" cy="216000"/>
+          </a:xfrm>
+          <a:prstGeom prst="flowChartConnector">
+            <a:avLst/>
+          </a:prstGeom>
+          <a:solidFill>
+            <a:schemeClr val="bg1"/>
+          </a:solidFill>
+          <a:ln>
+            <a:noFill/>
+          </a:ln>
+        </p:spPr>
+        <p:style>
+          <a:lnRef idx="2">
+            <a:schemeClr val="accent1">
+              <a:shade val="15000"/>
+            </a:schemeClr>
+          </a:lnRef>
+          <a:fillRef idx="1">
+            <a:schemeClr val="accent1"/>
+          </a:fillRef>
+          <a:effectRef idx="0">
+            <a:schemeClr val="accent1"/>
+          </a:effectRef>
+          <a:fontRef idx="minor">
+            <a:schemeClr val="lt1"/>
+          </a:fontRef>
+        </p:style>
+        <p:txBody>
+          <a:bodyPr rtlCol="0" anchor="ctr"/>
+          <a:lstStyle/>
+          <a:p>
+            <a:pPr algn="ctr"/>
+            <a:endParaRPr lang="ko-KR" altLang="en-US"/>
+          </a:p>
+        </p:txBody>
+      </p:sp>
     </p:spTree>
     <p:extLst>
       <p:ext uri="{BB962C8B-B14F-4D97-AF65-F5344CB8AC3E}">
-        <p14:creationId xmlns:p14="http://schemas.microsoft.com/office/powerpoint/2010/main" val="835733144"/>
+        <p14:creationId xmlns:p14="http://schemas.microsoft.com/office/powerpoint/2010/main" val="2796479059"/>
       </p:ext>
     </p:extLst>
   </p:cSld>
@@ -11202,41 +10871,12 @@
           <a:chExt cx="0" cy="0"/>
         </a:xfrm>
       </p:grpSpPr>
-      <p:pic>
-        <p:nvPicPr>
-          <p:cNvPr id="3" name="그림 2" descr="텍스트, 스크린샷, 소프트웨어, 디스플레이이(가) 표시된 사진&#10;&#10;자동 생성된 설명">
-            <a:extLst>
-              <a:ext uri="{FF2B5EF4-FFF2-40B4-BE49-F238E27FC236}">
-                <a16:creationId xmlns:a16="http://schemas.microsoft.com/office/drawing/2014/main" id="{6D89C867-2F35-DA28-7CF9-289C1542B40E}"/>
-              </a:ext>
-            </a:extLst>
-          </p:cNvPr>
-          <p:cNvPicPr>
-            <a:picLocks noChangeAspect="1"/>
-          </p:cNvPicPr>
-          <p:nvPr/>
-        </p:nvPicPr>
-        <p:blipFill>
-          <a:blip r:embed="rId3"/>
-          <a:srcRect b="54497"/>
-          <a:stretch/>
-        </p:blipFill>
-        <p:spPr>
-          <a:xfrm>
-            <a:off x="4326132" y="2403415"/>
-            <a:ext cx="7038161" cy="3059479"/>
-          </a:xfrm>
-          <a:prstGeom prst="rect">
-            <a:avLst/>
-          </a:prstGeom>
-        </p:spPr>
-      </p:pic>
-      <p:sp>
-        <p:nvSpPr>
-          <p:cNvPr id="2" name="TextBox 1">
-            <a:extLst>
-              <a:ext uri="{FF2B5EF4-FFF2-40B4-BE49-F238E27FC236}">
-                <a16:creationId xmlns:a16="http://schemas.microsoft.com/office/drawing/2014/main" id="{0138E0DA-8D39-6051-C6FD-78259160190C}"/>
+      <p:sp>
+        <p:nvSpPr>
+          <p:cNvPr id="7" name="TextBox 6">
+            <a:extLst>
+              <a:ext uri="{FF2B5EF4-FFF2-40B4-BE49-F238E27FC236}">
+                <a16:creationId xmlns:a16="http://schemas.microsoft.com/office/drawing/2014/main" id="{57D789ED-E9F7-24E6-F755-AB0AE85FD0A2}"/>
               </a:ext>
             </a:extLst>
           </p:cNvPr>
@@ -11245,8 +10885,8 @@
         </p:nvSpPr>
         <p:spPr>
           <a:xfrm>
-            <a:off x="1221133" y="2403415"/>
-            <a:ext cx="2930610" cy="707886"/>
+            <a:off x="1153838" y="2403415"/>
+            <a:ext cx="2517036" cy="707886"/>
           </a:xfrm>
           <a:prstGeom prst="rect">
             <a:avLst/>
@@ -11254,7 +10894,7 @@
           <a:noFill/>
         </p:spPr>
         <p:txBody>
-          <a:bodyPr wrap="none" lIns="91440" tIns="45720" rIns="91440" bIns="45720" rtlCol="0" anchor="t">
+          <a:bodyPr wrap="none" rtlCol="0">
             <a:spAutoFit/>
           </a:bodyPr>
           <a:lstStyle/>
@@ -11277,7 +10917,7 @@
               <a:defRPr/>
             </a:pPr>
             <a:r>
-              <a:rPr kumimoji="0" lang="ko-KR" altLang="en-US" sz="4000" b="0" i="0" u="none" strike="noStrike" kern="1200" cap="none" spc="0" normalizeH="0" baseline="0" noProof="0" dirty="0">
+              <a:rPr kumimoji="0" lang="ko-KR" altLang="en-US" sz="4000" b="0" i="0" u="none" strike="noStrike" kern="1200" cap="none" spc="0" normalizeH="0" baseline="0" noProof="0">
                 <a:ln>
                   <a:noFill/>
                 </a:ln>
@@ -11288,34 +10928,20 @@
                 <a:uLnTx/>
                 <a:uFillTx/>
                 <a:latin typeface="Pretendard Black" panose="02000A03000000020004" pitchFamily="50" charset="-127"/>
-                <a:ea typeface="Pretendard Black"/>
+                <a:ea typeface="Pretendard Black" panose="02000A03000000020004" pitchFamily="50" charset="-127"/>
                 <a:cs typeface="Pretendard Black" panose="02000A03000000020004" pitchFamily="50" charset="-127"/>
               </a:rPr>
-              <a:t>스킬 클래스</a:t>
-            </a:r>
-            <a:endParaRPr kumimoji="0" lang="ko-KR" altLang="en-US" sz="4000" b="0" i="0" u="none" strike="noStrike" kern="1200" cap="none" spc="0" normalizeH="0" baseline="0" noProof="0" dirty="0">
-              <a:ln>
-                <a:noFill/>
-              </a:ln>
-              <a:solidFill>
-                <a:prstClr val="white"/>
-              </a:solidFill>
-              <a:effectLst/>
-              <a:uLnTx/>
-              <a:uFillTx/>
-              <a:latin typeface="Pretendard Black" panose="02000A03000000020004" pitchFamily="50" charset="-127"/>
-              <a:ea typeface="Pretendard Black" panose="02000A03000000020004" pitchFamily="50" charset="-127"/>
-              <a:cs typeface="Pretendard Black" panose="02000A03000000020004" pitchFamily="50" charset="-127"/>
-            </a:endParaRPr>
-          </a:p>
-        </p:txBody>
-      </p:sp>
-      <p:sp>
-        <p:nvSpPr>
-          <p:cNvPr id="4" name="TextBox 3">
-            <a:extLst>
-              <a:ext uri="{FF2B5EF4-FFF2-40B4-BE49-F238E27FC236}">
-                <a16:creationId xmlns:a16="http://schemas.microsoft.com/office/drawing/2014/main" id="{2CB82D6F-994B-0A22-2E67-78F9B1D9E52F}"/>
+              <a:t>던전 클래스</a:t>
+            </a:r>
+          </a:p>
+        </p:txBody>
+      </p:sp>
+      <p:sp>
+        <p:nvSpPr>
+          <p:cNvPr id="27" name="TextBox 26">
+            <a:extLst>
+              <a:ext uri="{FF2B5EF4-FFF2-40B4-BE49-F238E27FC236}">
+                <a16:creationId xmlns:a16="http://schemas.microsoft.com/office/drawing/2014/main" id="{76DFBF0E-FDF1-1F46-CC62-E837A6407A10}"/>
               </a:ext>
             </a:extLst>
           </p:cNvPr>
@@ -11325,7 +10951,7 @@
         <p:spPr>
           <a:xfrm>
             <a:off x="1185529" y="3133096"/>
-            <a:ext cx="2348720" cy="707886"/>
+            <a:ext cx="2021707" cy="707886"/>
           </a:xfrm>
           <a:prstGeom prst="rect">
             <a:avLst/>
@@ -11333,7 +10959,7 @@
           <a:noFill/>
         </p:spPr>
         <p:txBody>
-          <a:bodyPr wrap="none" lIns="91440" tIns="45720" rIns="91440" bIns="45720" rtlCol="0" anchor="t">
+          <a:bodyPr wrap="none" rtlCol="0">
             <a:spAutoFit/>
           </a:bodyPr>
           <a:lstStyle/>
@@ -11356,7 +10982,7 @@
               <a:defRPr/>
             </a:pPr>
             <a:r>
-              <a:rPr kumimoji="0" lang="en-US" altLang="ko-KR" sz="2000" b="0" i="0" u="none" strike="noStrike" kern="1200" cap="none" spc="-150" normalizeH="0" baseline="0" noProof="0" err="1">
+              <a:rPr kumimoji="0" lang="ko-KR" altLang="en-US" sz="2000" b="0" i="0" u="none" strike="noStrike" kern="1200" cap="none" spc="0" normalizeH="0" baseline="0" noProof="0">
                 <a:ln>
                   <a:noFill/>
                 </a:ln>
@@ -11367,13 +10993,13 @@
                 <a:uLnTx/>
                 <a:uFillTx/>
                 <a:latin typeface="AppleSDGothicNeoB00" panose="02000503000000000000" pitchFamily="2" charset="-127"/>
-                <a:ea typeface="AppleSDGothicNeoB00"/>
+                <a:ea typeface="AppleSDGothicNeoB00" panose="02000503000000000000" pitchFamily="2" charset="-127"/>
                 <a:cs typeface="Pretendard Black" panose="02000A03000000020004" pitchFamily="50" charset="-127"/>
               </a:rPr>
-              <a:t>스킬</a:t>
-            </a:r>
-            <a:r>
-              <a:rPr kumimoji="0" lang="en-US" altLang="ko-KR" sz="2000" b="0" i="0" u="none" strike="noStrike" kern="1200" cap="none" spc="-150" normalizeH="0" baseline="0" noProof="0">
+              <a:t>던전에 입장하면 </a:t>
+            </a:r>
+            <a:br>
+              <a:rPr kumimoji="0" lang="en-US" altLang="ko-KR" sz="2000" b="0" i="0" u="none" strike="noStrike" kern="1200" cap="none" spc="0" normalizeH="0" baseline="0" noProof="0">
                 <a:ln>
                   <a:noFill/>
                 </a:ln>
@@ -11384,13 +11010,12 @@
                 <a:uLnTx/>
                 <a:uFillTx/>
                 <a:latin typeface="AppleSDGothicNeoB00" panose="02000503000000000000" pitchFamily="2" charset="-127"/>
-                <a:ea typeface="AppleSDGothicNeoB00"/>
+                <a:ea typeface="AppleSDGothicNeoB00" panose="02000503000000000000" pitchFamily="2" charset="-127"/>
                 <a:cs typeface="Pretendard Black" panose="02000A03000000020004" pitchFamily="50" charset="-127"/>
               </a:rPr>
-              <a:t> 클래스</a:t>
-            </a:r>
-            <a:r>
-              <a:rPr kumimoji="0" lang="ko-KR" altLang="en-US" sz="2000" b="0" i="0" u="none" strike="noStrike" kern="1200" cap="none" spc="-150" normalizeH="0" baseline="0" noProof="0">
+            </a:br>
+            <a:r>
+              <a:rPr kumimoji="0" lang="ko-KR" altLang="en-US" sz="2000" b="0" i="0" u="none" strike="noStrike" kern="1200" cap="none" spc="0" normalizeH="0" baseline="0" noProof="0">
                 <a:ln>
                   <a:noFill/>
                 </a:ln>
@@ -11401,152 +11026,186 @@
                 <a:uLnTx/>
                 <a:uFillTx/>
                 <a:latin typeface="AppleSDGothicNeoB00" panose="02000503000000000000" pitchFamily="2" charset="-127"/>
-                <a:ea typeface="AppleSDGothicNeoB00"/>
+                <a:ea typeface="AppleSDGothicNeoB00" panose="02000503000000000000" pitchFamily="2" charset="-127"/>
                 <a:cs typeface="Pretendard Black" panose="02000A03000000020004" pitchFamily="50" charset="-127"/>
               </a:rPr>
-              <a:t>에서</a:t>
-            </a:r>
-            <a:endParaRPr kumimoji="0" lang="en-US" altLang="ko-KR" sz="2000" b="0" i="0" u="none" strike="noStrike" kern="1200" cap="none" spc="-150" normalizeH="0" baseline="0" noProof="0" dirty="0" err="1">
-              <a:ln>
-                <a:noFill/>
-              </a:ln>
-              <a:solidFill>
-                <a:prstClr val="white"/>
-              </a:solidFill>
-              <a:effectLst/>
-              <a:uLnTx/>
-              <a:uFillTx/>
-              <a:latin typeface="AppleSDGothicNeoB00" panose="02000503000000000000" pitchFamily="2" charset="-127"/>
-              <a:ea typeface="AppleSDGothicNeoB00"/>
-              <a:cs typeface="Pretendard Black" panose="02000A03000000020004" pitchFamily="50" charset="-127"/>
-            </a:endParaRPr>
-          </a:p>
-          <a:p>
-            <a:pPr marL="0" marR="0" lvl="0" indent="0" algn="l" defTabSz="914400" rtl="0" eaLnBrk="1" fontAlgn="auto" latinLnBrk="1" hangingPunct="1">
-              <a:lnSpc>
-                <a:spcPct val="100000"/>
-              </a:lnSpc>
-              <a:spcBef>
-                <a:spcPts val="0"/>
-              </a:spcBef>
-              <a:spcAft>
-                <a:spcPts val="0"/>
-              </a:spcAft>
-              <a:buClrTx/>
-              <a:buSzTx/>
-              <a:buFontTx/>
-              <a:buNone/>
-              <a:tabLst/>
-              <a:defRPr/>
-            </a:pPr>
-            <a:r>
-              <a:rPr kumimoji="0" lang="en-US" altLang="ko-KR" sz="2000" b="0" i="0" u="none" strike="noStrike" kern="1200" cap="none" spc="-150" normalizeH="0" baseline="0" noProof="0" dirty="0" err="1">
-                <a:ln>
-                  <a:noFill/>
-                </a:ln>
+              <a:t>몬스터를 생성해요</a:t>
+            </a:r>
+          </a:p>
+        </p:txBody>
+      </p:sp>
+      <p:pic>
+        <p:nvPicPr>
+          <p:cNvPr id="14" name="그림 13">
+            <a:extLst>
+              <a:ext uri="{FF2B5EF4-FFF2-40B4-BE49-F238E27FC236}">
+                <a16:creationId xmlns:a16="http://schemas.microsoft.com/office/drawing/2014/main" id="{9C25684F-806A-D145-5A70-B9FB43B7C709}"/>
+              </a:ext>
+            </a:extLst>
+          </p:cNvPr>
+          <p:cNvPicPr>
+            <a:picLocks noChangeAspect="1"/>
+          </p:cNvPicPr>
+          <p:nvPr/>
+        </p:nvPicPr>
+        <p:blipFill>
+          <a:blip r:embed="rId3"/>
+          <a:stretch>
+            <a:fillRect/>
+          </a:stretch>
+        </p:blipFill>
+        <p:spPr>
+          <a:xfrm>
+            <a:off x="4284888" y="2403415"/>
+            <a:ext cx="6753274" cy="3295674"/>
+          </a:xfrm>
+          <a:prstGeom prst="rect">
+            <a:avLst/>
+          </a:prstGeom>
+        </p:spPr>
+      </p:pic>
+      <p:grpSp>
+        <p:nvGrpSpPr>
+          <p:cNvPr id="10" name="그룹 9">
+            <a:extLst>
+              <a:ext uri="{FF2B5EF4-FFF2-40B4-BE49-F238E27FC236}">
+                <a16:creationId xmlns:a16="http://schemas.microsoft.com/office/drawing/2014/main" id="{D3796590-AD75-BA38-BDAD-ADD84E8DA917}"/>
+              </a:ext>
+            </a:extLst>
+          </p:cNvPr>
+          <p:cNvGrpSpPr/>
+          <p:nvPr/>
+        </p:nvGrpSpPr>
+        <p:grpSpPr>
+          <a:xfrm>
+            <a:off x="1238081" y="1684242"/>
+            <a:ext cx="2432793" cy="307777"/>
+            <a:chOff x="3019483" y="1445703"/>
+            <a:chExt cx="2432793" cy="307777"/>
+          </a:xfrm>
+        </p:grpSpPr>
+        <p:sp>
+          <p:nvSpPr>
+            <p:cNvPr id="6" name="TextBox 5">
+              <a:extLst>
+                <a:ext uri="{FF2B5EF4-FFF2-40B4-BE49-F238E27FC236}">
+                  <a16:creationId xmlns:a16="http://schemas.microsoft.com/office/drawing/2014/main" id="{08D4A7E0-3E3D-D076-0982-3926A9393567}"/>
+                </a:ext>
+              </a:extLst>
+            </p:cNvPr>
+            <p:cNvSpPr txBox="1"/>
+            <p:nvPr/>
+          </p:nvSpPr>
+          <p:spPr>
+            <a:xfrm>
+              <a:off x="3166073" y="1445703"/>
+              <a:ext cx="2286203" cy="307777"/>
+            </a:xfrm>
+            <a:prstGeom prst="rect">
+              <a:avLst/>
+            </a:prstGeom>
+            <a:noFill/>
+          </p:spPr>
+          <p:txBody>
+            <a:bodyPr wrap="none" rtlCol="0">
+              <a:spAutoFit/>
+            </a:bodyPr>
+            <a:lstStyle/>
+            <a:p>
+              <a:r>
+                <a:rPr lang="ko-KR" altLang="en-US" sz="1400">
+                  <a:solidFill>
+                    <a:schemeClr val="bg1">
+                      <a:lumMod val="75000"/>
+                    </a:schemeClr>
+                  </a:solidFill>
+                  <a:latin typeface="AppleSDGothicNeoB00" panose="02000503000000000000" pitchFamily="2" charset="-127"/>
+                  <a:ea typeface="AppleSDGothicNeoB00" panose="02000503000000000000" pitchFamily="2" charset="-127"/>
+                </a:rPr>
+                <a:t>던전 입장 함수를 다시 봅시다</a:t>
+              </a:r>
+              <a:r>
+                <a:rPr lang="en-US" altLang="ko-KR" sz="1400">
+                  <a:solidFill>
+                    <a:schemeClr val="bg1">
+                      <a:lumMod val="75000"/>
+                    </a:schemeClr>
+                  </a:solidFill>
+                  <a:latin typeface="AppleSDGothicNeoB00" panose="02000503000000000000" pitchFamily="2" charset="-127"/>
+                  <a:ea typeface="AppleSDGothicNeoB00" panose="02000503000000000000" pitchFamily="2" charset="-127"/>
+                </a:rPr>
+                <a:t>!</a:t>
+              </a:r>
+              <a:endParaRPr lang="ko-KR" altLang="en-US" sz="1400">
                 <a:solidFill>
-                  <a:prstClr val="white"/>
+                  <a:schemeClr val="bg1">
+                    <a:lumMod val="75000"/>
+                  </a:schemeClr>
                 </a:solidFill>
-                <a:effectLst/>
-                <a:uLnTx/>
-                <a:uFillTx/>
                 <a:latin typeface="AppleSDGothicNeoB00" panose="02000503000000000000" pitchFamily="2" charset="-127"/>
-                <a:ea typeface="AppleSDGothicNeoB00"/>
-                <a:cs typeface="Pretendard Black" panose="02000A03000000020004" pitchFamily="50" charset="-127"/>
-              </a:rPr>
-              <a:t>광역기</a:t>
-            </a:r>
-            <a:r>
-              <a:rPr kumimoji="0" lang="en-US" altLang="ko-KR" sz="2000" b="0" i="0" u="none" strike="noStrike" kern="1200" cap="none" spc="-150" normalizeH="0" baseline="0" noProof="0" dirty="0">
-                <a:ln>
-                  <a:noFill/>
-                </a:ln>
-                <a:solidFill>
-                  <a:prstClr val="white"/>
-                </a:solidFill>
-                <a:effectLst/>
-                <a:uLnTx/>
-                <a:uFillTx/>
-                <a:latin typeface="AppleSDGothicNeoB00" panose="02000503000000000000" pitchFamily="2" charset="-127"/>
-                <a:ea typeface="AppleSDGothicNeoB00"/>
-                <a:cs typeface="Pretendard Black" panose="02000A03000000020004" pitchFamily="50" charset="-127"/>
-              </a:rPr>
-              <a:t> </a:t>
-            </a:r>
-            <a:r>
-              <a:rPr kumimoji="0" lang="en-US" altLang="ko-KR" sz="2000" b="0" i="0" u="none" strike="noStrike" kern="1200" cap="none" spc="-150" normalizeH="0" baseline="0" noProof="0" err="1">
-                <a:ln>
-                  <a:noFill/>
-                </a:ln>
-                <a:solidFill>
-                  <a:prstClr val="white"/>
-                </a:solidFill>
-                <a:effectLst/>
-                <a:uLnTx/>
-                <a:uFillTx/>
-                <a:latin typeface="AppleSDGothicNeoB00" panose="02000503000000000000" pitchFamily="2" charset="-127"/>
-                <a:ea typeface="AppleSDGothicNeoB00"/>
-                <a:cs typeface="Pretendard Black" panose="02000A03000000020004" pitchFamily="50" charset="-127"/>
-              </a:rPr>
-              <a:t>여부를</a:t>
-            </a:r>
-            <a:r>
-              <a:rPr kumimoji="0" lang="en-US" altLang="ko-KR" sz="2000" b="0" i="0" u="none" strike="noStrike" kern="1200" cap="none" spc="-150" normalizeH="0" baseline="0" noProof="0">
-                <a:ln>
-                  <a:noFill/>
-                </a:ln>
-                <a:solidFill>
-                  <a:prstClr val="white"/>
-                </a:solidFill>
-                <a:effectLst/>
-                <a:uLnTx/>
-                <a:uFillTx/>
-                <a:latin typeface="AppleSDGothicNeoB00" panose="02000503000000000000" pitchFamily="2" charset="-127"/>
-                <a:ea typeface="AppleSDGothicNeoB00"/>
-                <a:cs typeface="Pretendard Black" panose="02000A03000000020004" pitchFamily="50" charset="-127"/>
-              </a:rPr>
-              <a:t> 결정</a:t>
-            </a:r>
-            <a:r>
-              <a:rPr kumimoji="0" lang="ko-KR" altLang="en-US" sz="2000" b="0" i="0" u="none" strike="noStrike" kern="1200" cap="none" spc="-150" normalizeH="0" baseline="0" noProof="0">
-                <a:ln>
-                  <a:noFill/>
-                </a:ln>
-                <a:solidFill>
-                  <a:prstClr val="white"/>
-                </a:solidFill>
-                <a:effectLst/>
-                <a:uLnTx/>
-                <a:uFillTx/>
-                <a:latin typeface="AppleSDGothicNeoB00" panose="02000503000000000000" pitchFamily="2" charset="-127"/>
-                <a:ea typeface="AppleSDGothicNeoB00"/>
-                <a:cs typeface="Pretendard Black" panose="02000A03000000020004" pitchFamily="50" charset="-127"/>
-              </a:rPr>
-              <a:t>해요</a:t>
-            </a:r>
-            <a:endParaRPr kumimoji="0" lang="en-US" altLang="ko-KR" sz="2000" b="0" i="0" u="none" strike="noStrike" kern="1200" cap="none" spc="-150" normalizeH="0" baseline="0" noProof="0" dirty="0" err="1">
-              <a:ln>
-                <a:noFill/>
-              </a:ln>
-              <a:solidFill>
-                <a:prstClr val="white"/>
-              </a:solidFill>
-              <a:effectLst/>
-              <a:uLnTx/>
-              <a:uFillTx/>
-              <a:latin typeface="AppleSDGothicNeoB00" panose="02000503000000000000" pitchFamily="2" charset="-127"/>
-              <a:ea typeface="AppleSDGothicNeoB00"/>
-              <a:cs typeface="Pretendard Black" panose="02000A03000000020004" pitchFamily="50" charset="-127"/>
-            </a:endParaRPr>
-          </a:p>
-        </p:txBody>
-      </p:sp>
-      <p:sp>
-        <p:nvSpPr>
-          <p:cNvPr id="5" name="순서도: 연결자 4">
-            <a:extLst>
-              <a:ext uri="{FF2B5EF4-FFF2-40B4-BE49-F238E27FC236}">
-                <a16:creationId xmlns:a16="http://schemas.microsoft.com/office/drawing/2014/main" id="{950CB03E-11A2-D587-855C-1367248DF389}"/>
+                <a:ea typeface="AppleSDGothicNeoB00" panose="02000503000000000000" pitchFamily="2" charset="-127"/>
+              </a:endParaRPr>
+            </a:p>
+          </p:txBody>
+        </p:sp>
+        <p:sp>
+          <p:nvSpPr>
+            <p:cNvPr id="9" name="이등변 삼각형 8">
+              <a:extLst>
+                <a:ext uri="{FF2B5EF4-FFF2-40B4-BE49-F238E27FC236}">
+                  <a16:creationId xmlns:a16="http://schemas.microsoft.com/office/drawing/2014/main" id="{73AAC910-2293-9533-3C4E-619A17551B43}"/>
+                </a:ext>
+              </a:extLst>
+            </p:cNvPr>
+            <p:cNvSpPr/>
+            <p:nvPr/>
+          </p:nvSpPr>
+          <p:spPr>
+            <a:xfrm rot="5400000">
+              <a:off x="3007756" y="1515742"/>
+              <a:ext cx="170044" cy="146589"/>
+            </a:xfrm>
+            <a:prstGeom prst="triangle">
+              <a:avLst/>
+            </a:prstGeom>
+            <a:solidFill>
+              <a:schemeClr val="bg1">
+                <a:alpha val="76000"/>
+              </a:schemeClr>
+            </a:solidFill>
+          </p:spPr>
+          <p:style>
+            <a:lnRef idx="2">
+              <a:schemeClr val="accent1">
+                <a:shade val="15000"/>
+              </a:schemeClr>
+            </a:lnRef>
+            <a:fillRef idx="1">
+              <a:schemeClr val="accent1"/>
+            </a:fillRef>
+            <a:effectRef idx="0">
+              <a:schemeClr val="accent1"/>
+            </a:effectRef>
+            <a:fontRef idx="minor">
+              <a:schemeClr val="lt1"/>
+            </a:fontRef>
+          </p:style>
+          <p:txBody>
+            <a:bodyPr rtlCol="0" anchor="ctr"/>
+            <a:lstStyle/>
+            <a:p>
+              <a:pPr algn="ctr"/>
+              <a:endParaRPr lang="ko-KR" altLang="en-US"/>
+            </a:p>
+          </p:txBody>
+        </p:sp>
+      </p:grpSp>
+      <p:sp>
+        <p:nvSpPr>
+          <p:cNvPr id="11" name="직사각형 10">
+            <a:extLst>
+              <a:ext uri="{FF2B5EF4-FFF2-40B4-BE49-F238E27FC236}">
+                <a16:creationId xmlns:a16="http://schemas.microsoft.com/office/drawing/2014/main" id="{82C422B2-12AE-C97B-7959-072760D419F7}"/>
               </a:ext>
             </a:extLst>
           </p:cNvPr>
@@ -11555,19 +11214,17 @@
         </p:nvSpPr>
         <p:spPr>
           <a:xfrm>
-            <a:off x="1153838" y="1556951"/>
-            <a:ext cx="216000" cy="216000"/>
-          </a:xfrm>
-          <a:prstGeom prst="flowChartConnector">
+            <a:off x="4735829" y="4553086"/>
+            <a:ext cx="5223179" cy="292612"/>
+          </a:xfrm>
+          <a:prstGeom prst="rect">
             <a:avLst/>
           </a:prstGeom>
-          <a:solidFill>
-            <a:schemeClr val="bg1">
-              <a:alpha val="57000"/>
-            </a:schemeClr>
-          </a:solidFill>
+          <a:noFill/>
           <a:ln>
-            <a:noFill/>
+            <a:solidFill>
+              <a:schemeClr val="bg1"/>
+            </a:solidFill>
           </a:ln>
         </p:spPr>
         <p:style>
@@ -11595,170 +11252,10 @@
           </a:p>
         </p:txBody>
       </p:sp>
-      <p:sp>
-        <p:nvSpPr>
-          <p:cNvPr id="8" name="순서도: 연결자 7">
-            <a:extLst>
-              <a:ext uri="{FF2B5EF4-FFF2-40B4-BE49-F238E27FC236}">
-                <a16:creationId xmlns:a16="http://schemas.microsoft.com/office/drawing/2014/main" id="{E9479A14-D033-C606-3911-7AAEB261CD6D}"/>
-              </a:ext>
-            </a:extLst>
-          </p:cNvPr>
-          <p:cNvSpPr/>
-          <p:nvPr/>
-        </p:nvSpPr>
-        <p:spPr>
-          <a:xfrm>
-            <a:off x="1474861" y="1556951"/>
-            <a:ext cx="216000" cy="216000"/>
-          </a:xfrm>
-          <a:prstGeom prst="flowChartConnector">
-            <a:avLst/>
-          </a:prstGeom>
-          <a:solidFill>
-            <a:schemeClr val="bg1">
-              <a:alpha val="57000"/>
-            </a:schemeClr>
-          </a:solidFill>
-          <a:ln>
-            <a:noFill/>
-          </a:ln>
-        </p:spPr>
-        <p:style>
-          <a:lnRef idx="2">
-            <a:schemeClr val="accent1">
-              <a:shade val="15000"/>
-            </a:schemeClr>
-          </a:lnRef>
-          <a:fillRef idx="1">
-            <a:schemeClr val="accent1"/>
-          </a:fillRef>
-          <a:effectRef idx="0">
-            <a:schemeClr val="accent1"/>
-          </a:effectRef>
-          <a:fontRef idx="minor">
-            <a:schemeClr val="lt1"/>
-          </a:fontRef>
-        </p:style>
-        <p:txBody>
-          <a:bodyPr rtlCol="0" anchor="ctr"/>
-          <a:lstStyle/>
-          <a:p>
-            <a:pPr algn="ctr"/>
-            <a:endParaRPr lang="ko-KR" altLang="en-US"/>
-          </a:p>
-        </p:txBody>
-      </p:sp>
-      <p:sp>
-        <p:nvSpPr>
-          <p:cNvPr id="9" name="순서도: 연결자 8">
-            <a:extLst>
-              <a:ext uri="{FF2B5EF4-FFF2-40B4-BE49-F238E27FC236}">
-                <a16:creationId xmlns:a16="http://schemas.microsoft.com/office/drawing/2014/main" id="{76B87581-FFD6-F4DA-6D88-D46218C9D47F}"/>
-              </a:ext>
-            </a:extLst>
-          </p:cNvPr>
-          <p:cNvSpPr/>
-          <p:nvPr/>
-        </p:nvSpPr>
-        <p:spPr>
-          <a:xfrm>
-            <a:off x="1795884" y="1556951"/>
-            <a:ext cx="216000" cy="216000"/>
-          </a:xfrm>
-          <a:prstGeom prst="flowChartConnector">
-            <a:avLst/>
-          </a:prstGeom>
-          <a:solidFill>
-            <a:schemeClr val="bg1">
-              <a:alpha val="57000"/>
-            </a:schemeClr>
-          </a:solidFill>
-          <a:ln>
-            <a:noFill/>
-          </a:ln>
-        </p:spPr>
-        <p:style>
-          <a:lnRef idx="2">
-            <a:schemeClr val="accent1">
-              <a:shade val="15000"/>
-            </a:schemeClr>
-          </a:lnRef>
-          <a:fillRef idx="1">
-            <a:schemeClr val="accent1"/>
-          </a:fillRef>
-          <a:effectRef idx="0">
-            <a:schemeClr val="accent1"/>
-          </a:effectRef>
-          <a:fontRef idx="minor">
-            <a:schemeClr val="lt1"/>
-          </a:fontRef>
-        </p:style>
-        <p:txBody>
-          <a:bodyPr rtlCol="0" anchor="ctr"/>
-          <a:lstStyle/>
-          <a:p>
-            <a:pPr algn="ctr"/>
-            <a:endParaRPr lang="ko-KR" altLang="en-US"/>
-          </a:p>
-        </p:txBody>
-      </p:sp>
-      <p:sp>
-        <p:nvSpPr>
-          <p:cNvPr id="10" name="순서도: 연결자 9">
-            <a:extLst>
-              <a:ext uri="{FF2B5EF4-FFF2-40B4-BE49-F238E27FC236}">
-                <a16:creationId xmlns:a16="http://schemas.microsoft.com/office/drawing/2014/main" id="{D610DDDE-2F9C-B4FB-66DE-1AD48E2973CA}"/>
-              </a:ext>
-            </a:extLst>
-          </p:cNvPr>
-          <p:cNvSpPr/>
-          <p:nvPr/>
-        </p:nvSpPr>
-        <p:spPr>
-          <a:xfrm>
-            <a:off x="2116907" y="1556951"/>
-            <a:ext cx="216000" cy="216000"/>
-          </a:xfrm>
-          <a:prstGeom prst="flowChartConnector">
-            <a:avLst/>
-          </a:prstGeom>
-          <a:solidFill>
-            <a:schemeClr val="bg1"/>
-          </a:solidFill>
-          <a:ln>
-            <a:noFill/>
-          </a:ln>
-        </p:spPr>
-        <p:style>
-          <a:lnRef idx="2">
-            <a:schemeClr val="accent1">
-              <a:shade val="15000"/>
-            </a:schemeClr>
-          </a:lnRef>
-          <a:fillRef idx="1">
-            <a:schemeClr val="accent1"/>
-          </a:fillRef>
-          <a:effectRef idx="0">
-            <a:schemeClr val="accent1"/>
-          </a:effectRef>
-          <a:fontRef idx="minor">
-            <a:schemeClr val="lt1"/>
-          </a:fontRef>
-        </p:style>
-        <p:txBody>
-          <a:bodyPr rtlCol="0" anchor="ctr"/>
-          <a:lstStyle/>
-          <a:p>
-            <a:pPr algn="ctr"/>
-            <a:endParaRPr lang="ko-KR" altLang="en-US"/>
-          </a:p>
-        </p:txBody>
-      </p:sp>
     </p:spTree>
     <p:extLst>
       <p:ext uri="{BB962C8B-B14F-4D97-AF65-F5344CB8AC3E}">
-        <p14:creationId xmlns:p14="http://schemas.microsoft.com/office/powerpoint/2010/main" val="3952885622"/>
+        <p14:creationId xmlns:p14="http://schemas.microsoft.com/office/powerpoint/2010/main" val="2878608776"/>
       </p:ext>
     </p:extLst>
   </p:cSld>
@@ -14853,6 +14350,58 @@
           </a:solidFill>
           <a:ln>
             <a:noFill/>
+          </a:ln>
+        </p:spPr>
+        <p:style>
+          <a:lnRef idx="2">
+            <a:schemeClr val="accent1">
+              <a:shade val="15000"/>
+            </a:schemeClr>
+          </a:lnRef>
+          <a:fillRef idx="1">
+            <a:schemeClr val="accent1"/>
+          </a:fillRef>
+          <a:effectRef idx="0">
+            <a:schemeClr val="accent1"/>
+          </a:effectRef>
+          <a:fontRef idx="minor">
+            <a:schemeClr val="lt1"/>
+          </a:fontRef>
+        </p:style>
+        <p:txBody>
+          <a:bodyPr rtlCol="0" anchor="ctr"/>
+          <a:lstStyle/>
+          <a:p>
+            <a:pPr algn="ctr"/>
+            <a:endParaRPr lang="ko-KR" altLang="en-US"/>
+          </a:p>
+        </p:txBody>
+      </p:sp>
+      <p:sp>
+        <p:nvSpPr>
+          <p:cNvPr id="6" name="직사각형 5">
+            <a:extLst>
+              <a:ext uri="{FF2B5EF4-FFF2-40B4-BE49-F238E27FC236}">
+                <a16:creationId xmlns:a16="http://schemas.microsoft.com/office/drawing/2014/main" id="{3B72FF40-CCFC-6DE1-2012-5431F8A36CA9}"/>
+              </a:ext>
+            </a:extLst>
+          </p:cNvPr>
+          <p:cNvSpPr/>
+          <p:nvPr/>
+        </p:nvSpPr>
+        <p:spPr>
+          <a:xfrm rot="5400000">
+            <a:off x="6294917" y="4162581"/>
+            <a:ext cx="2793565" cy="1711901"/>
+          </a:xfrm>
+          <a:prstGeom prst="rect">
+            <a:avLst/>
+          </a:prstGeom>
+          <a:noFill/>
+          <a:ln>
+            <a:solidFill>
+              <a:schemeClr val="bg1"/>
+            </a:solidFill>
           </a:ln>
         </p:spPr>
         <p:style>
@@ -20894,6 +20443,58 @@
           </p:txBody>
         </p:sp>
       </p:grpSp>
+      <p:sp>
+        <p:nvSpPr>
+          <p:cNvPr id="6" name="직사각형 5">
+            <a:extLst>
+              <a:ext uri="{FF2B5EF4-FFF2-40B4-BE49-F238E27FC236}">
+                <a16:creationId xmlns:a16="http://schemas.microsoft.com/office/drawing/2014/main" id="{C3480669-7CD2-FC37-E349-A1787C6EA0B3}"/>
+              </a:ext>
+            </a:extLst>
+          </p:cNvPr>
+          <p:cNvSpPr/>
+          <p:nvPr/>
+        </p:nvSpPr>
+        <p:spPr>
+          <a:xfrm>
+            <a:off x="4728706" y="5291759"/>
+            <a:ext cx="6104945" cy="292612"/>
+          </a:xfrm>
+          <a:prstGeom prst="rect">
+            <a:avLst/>
+          </a:prstGeom>
+          <a:noFill/>
+          <a:ln>
+            <a:solidFill>
+              <a:schemeClr val="bg1"/>
+            </a:solidFill>
+          </a:ln>
+        </p:spPr>
+        <p:style>
+          <a:lnRef idx="2">
+            <a:schemeClr val="accent1">
+              <a:shade val="15000"/>
+            </a:schemeClr>
+          </a:lnRef>
+          <a:fillRef idx="1">
+            <a:schemeClr val="accent1"/>
+          </a:fillRef>
+          <a:effectRef idx="0">
+            <a:schemeClr val="accent1"/>
+          </a:effectRef>
+          <a:fontRef idx="minor">
+            <a:schemeClr val="lt1"/>
+          </a:fontRef>
+        </p:style>
+        <p:txBody>
+          <a:bodyPr rtlCol="0" anchor="ctr"/>
+          <a:lstStyle/>
+          <a:p>
+            <a:pPr algn="ctr"/>
+            <a:endParaRPr lang="ko-KR" altLang="en-US"/>
+          </a:p>
+        </p:txBody>
+      </p:sp>
     </p:spTree>
     <p:extLst>
       <p:ext uri="{BB962C8B-B14F-4D97-AF65-F5344CB8AC3E}">
